--- a/documentation/Presentacion_ml.pptx
+++ b/documentation/Presentacion_ml.pptx
@@ -4,6 +4,9 @@
   <p:sldMasterIdLst>
     <p:sldMasterId id="2147483648" r:id="rId1"/>
   </p:sldMasterIdLst>
+  <p:notesMasterIdLst>
+    <p:notesMasterId r:id="rId21"/>
+  </p:notesMasterIdLst>
   <p:sldIdLst>
     <p:sldId id="256" r:id="rId2"/>
     <p:sldId id="257" r:id="rId3"/>
@@ -122,7 +125,2213 @@
       </a:defRPr>
     </a:lvl9pPr>
   </p:defaultTextStyle>
+  <p:extLst>
+    <p:ext uri="{EFAFB233-063F-42B5-8137-9DF3F51BA10A}">
+      <p15:sldGuideLst xmlns:p15="http://schemas.microsoft.com/office/powerpoint/2012/main"/>
+    </p:ext>
+  </p:extLst>
 </p:presentation>
+</file>
+
+<file path=ppt/notesMasters/notesMaster1.xml><?xml version="1.0" encoding="utf-8"?>
+<p:notesMaster xmlns:a="http://schemas.openxmlformats.org/drawingml/2006/main" xmlns:r="http://schemas.openxmlformats.org/officeDocument/2006/relationships" xmlns:p="http://schemas.openxmlformats.org/presentationml/2006/main">
+  <p:cSld>
+    <p:bg>
+      <p:bgRef idx="1001">
+        <a:schemeClr val="bg1"/>
+      </p:bgRef>
+    </p:bg>
+    <p:spTree>
+      <p:nvGrpSpPr>
+        <p:cNvPr id="1" name=""/>
+        <p:cNvGrpSpPr/>
+        <p:nvPr/>
+      </p:nvGrpSpPr>
+      <p:grpSpPr>
+        <a:xfrm>
+          <a:off x="0" y="0"/>
+          <a:ext cx="0" cy="0"/>
+          <a:chOff x="0" y="0"/>
+          <a:chExt cx="0" cy="0"/>
+        </a:xfrm>
+      </p:grpSpPr>
+      <p:sp>
+        <p:nvSpPr>
+          <p:cNvPr id="2" name="Marcador de encabezado 1"/>
+          <p:cNvSpPr>
+            <a:spLocks noGrp="1"/>
+          </p:cNvSpPr>
+          <p:nvPr>
+            <p:ph type="hdr" sz="quarter"/>
+          </p:nvPr>
+        </p:nvSpPr>
+        <p:spPr>
+          <a:xfrm>
+            <a:off x="0" y="0"/>
+            <a:ext cx="2971800" cy="458788"/>
+          </a:xfrm>
+          <a:prstGeom prst="rect">
+            <a:avLst/>
+          </a:prstGeom>
+        </p:spPr>
+        <p:txBody>
+          <a:bodyPr vert="horz" lIns="91440" tIns="45720" rIns="91440" bIns="45720" rtlCol="0"/>
+          <a:lstStyle>
+            <a:lvl1pPr algn="l">
+              <a:defRPr sz="1200"/>
+            </a:lvl1pPr>
+          </a:lstStyle>
+          <a:p>
+            <a:endParaRPr lang="en-US"/>
+          </a:p>
+        </p:txBody>
+      </p:sp>
+      <p:sp>
+        <p:nvSpPr>
+          <p:cNvPr id="3" name="Marcador de fecha 2"/>
+          <p:cNvSpPr>
+            <a:spLocks noGrp="1"/>
+          </p:cNvSpPr>
+          <p:nvPr>
+            <p:ph type="dt" idx="1"/>
+          </p:nvPr>
+        </p:nvSpPr>
+        <p:spPr>
+          <a:xfrm>
+            <a:off x="3884613" y="0"/>
+            <a:ext cx="2971800" cy="458788"/>
+          </a:xfrm>
+          <a:prstGeom prst="rect">
+            <a:avLst/>
+          </a:prstGeom>
+        </p:spPr>
+        <p:txBody>
+          <a:bodyPr vert="horz" lIns="91440" tIns="45720" rIns="91440" bIns="45720" rtlCol="0"/>
+          <a:lstStyle>
+            <a:lvl1pPr algn="r">
+              <a:defRPr sz="1200"/>
+            </a:lvl1pPr>
+          </a:lstStyle>
+          <a:p>
+            <a:fld id="{66CE9734-0CC3-4020-9025-49680F0A1CBD}" type="datetimeFigureOut">
+              <a:rPr lang="en-US" smtClean="0"/>
+              <a:t>7/12/2021</a:t>
+            </a:fld>
+            <a:endParaRPr lang="en-US"/>
+          </a:p>
+        </p:txBody>
+      </p:sp>
+      <p:sp>
+        <p:nvSpPr>
+          <p:cNvPr id="4" name="Marcador de imagen de diapositiva 3"/>
+          <p:cNvSpPr>
+            <a:spLocks noGrp="1" noRot="1" noChangeAspect="1"/>
+          </p:cNvSpPr>
+          <p:nvPr>
+            <p:ph type="sldImg" idx="2"/>
+          </p:nvPr>
+        </p:nvSpPr>
+        <p:spPr>
+          <a:xfrm>
+            <a:off x="685800" y="1143000"/>
+            <a:ext cx="5486400" cy="3086100"/>
+          </a:xfrm>
+          <a:prstGeom prst="rect">
+            <a:avLst/>
+          </a:prstGeom>
+          <a:noFill/>
+          <a:ln w="12700">
+            <a:solidFill>
+              <a:prstClr val="black"/>
+            </a:solidFill>
+          </a:ln>
+        </p:spPr>
+        <p:txBody>
+          <a:bodyPr vert="horz" lIns="91440" tIns="45720" rIns="91440" bIns="45720" rtlCol="0" anchor="ctr"/>
+          <a:lstStyle/>
+          <a:p>
+            <a:endParaRPr lang="en-US"/>
+          </a:p>
+        </p:txBody>
+      </p:sp>
+      <p:sp>
+        <p:nvSpPr>
+          <p:cNvPr id="5" name="Marcador de notas 4"/>
+          <p:cNvSpPr>
+            <a:spLocks noGrp="1"/>
+          </p:cNvSpPr>
+          <p:nvPr>
+            <p:ph type="body" sz="quarter" idx="3"/>
+          </p:nvPr>
+        </p:nvSpPr>
+        <p:spPr>
+          <a:xfrm>
+            <a:off x="685800" y="4400550"/>
+            <a:ext cx="5486400" cy="3600450"/>
+          </a:xfrm>
+          <a:prstGeom prst="rect">
+            <a:avLst/>
+          </a:prstGeom>
+        </p:spPr>
+        <p:txBody>
+          <a:bodyPr vert="horz" lIns="91440" tIns="45720" rIns="91440" bIns="45720" rtlCol="0"/>
+          <a:lstStyle/>
+          <a:p>
+            <a:pPr lvl="0"/>
+            <a:r>
+              <a:rPr lang="es-ES" smtClean="0"/>
+              <a:t>Haga clic para modificar el estilo de texto del patrón</a:t>
+            </a:r>
+          </a:p>
+          <a:p>
+            <a:pPr lvl="1"/>
+            <a:r>
+              <a:rPr lang="es-ES" smtClean="0"/>
+              <a:t>Segundo nivel</a:t>
+            </a:r>
+          </a:p>
+          <a:p>
+            <a:pPr lvl="2"/>
+            <a:r>
+              <a:rPr lang="es-ES" smtClean="0"/>
+              <a:t>Tercer nivel</a:t>
+            </a:r>
+          </a:p>
+          <a:p>
+            <a:pPr lvl="3"/>
+            <a:r>
+              <a:rPr lang="es-ES" smtClean="0"/>
+              <a:t>Cuarto nivel</a:t>
+            </a:r>
+          </a:p>
+          <a:p>
+            <a:pPr lvl="4"/>
+            <a:r>
+              <a:rPr lang="es-ES" smtClean="0"/>
+              <a:t>Quinto nivel</a:t>
+            </a:r>
+            <a:endParaRPr lang="en-US"/>
+          </a:p>
+        </p:txBody>
+      </p:sp>
+      <p:sp>
+        <p:nvSpPr>
+          <p:cNvPr id="6" name="Marcador de pie de página 5"/>
+          <p:cNvSpPr>
+            <a:spLocks noGrp="1"/>
+          </p:cNvSpPr>
+          <p:nvPr>
+            <p:ph type="ftr" sz="quarter" idx="4"/>
+          </p:nvPr>
+        </p:nvSpPr>
+        <p:spPr>
+          <a:xfrm>
+            <a:off x="0" y="8685213"/>
+            <a:ext cx="2971800" cy="458787"/>
+          </a:xfrm>
+          <a:prstGeom prst="rect">
+            <a:avLst/>
+          </a:prstGeom>
+        </p:spPr>
+        <p:txBody>
+          <a:bodyPr vert="horz" lIns="91440" tIns="45720" rIns="91440" bIns="45720" rtlCol="0" anchor="b"/>
+          <a:lstStyle>
+            <a:lvl1pPr algn="l">
+              <a:defRPr sz="1200"/>
+            </a:lvl1pPr>
+          </a:lstStyle>
+          <a:p>
+            <a:endParaRPr lang="en-US"/>
+          </a:p>
+        </p:txBody>
+      </p:sp>
+      <p:sp>
+        <p:nvSpPr>
+          <p:cNvPr id="7" name="Marcador de número de diapositiva 6"/>
+          <p:cNvSpPr>
+            <a:spLocks noGrp="1"/>
+          </p:cNvSpPr>
+          <p:nvPr>
+            <p:ph type="sldNum" sz="quarter" idx="5"/>
+          </p:nvPr>
+        </p:nvSpPr>
+        <p:spPr>
+          <a:xfrm>
+            <a:off x="3884613" y="8685213"/>
+            <a:ext cx="2971800" cy="458787"/>
+          </a:xfrm>
+          <a:prstGeom prst="rect">
+            <a:avLst/>
+          </a:prstGeom>
+        </p:spPr>
+        <p:txBody>
+          <a:bodyPr vert="horz" lIns="91440" tIns="45720" rIns="91440" bIns="45720" rtlCol="0" anchor="b"/>
+          <a:lstStyle>
+            <a:lvl1pPr algn="r">
+              <a:defRPr sz="1200"/>
+            </a:lvl1pPr>
+          </a:lstStyle>
+          <a:p>
+            <a:fld id="{94E50BC0-CB95-4498-B267-8D0E3F011EB8}" type="slidenum">
+              <a:rPr lang="en-US" smtClean="0"/>
+              <a:t>‹Nº›</a:t>
+            </a:fld>
+            <a:endParaRPr lang="en-US"/>
+          </a:p>
+        </p:txBody>
+      </p:sp>
+    </p:spTree>
+    <p:extLst>
+      <p:ext uri="{BB962C8B-B14F-4D97-AF65-F5344CB8AC3E}">
+        <p14:creationId xmlns:p14="http://schemas.microsoft.com/office/powerpoint/2010/main" val="2501711716"/>
+      </p:ext>
+    </p:extLst>
+  </p:cSld>
+  <p:clrMap bg1="lt1" tx1="dk1" bg2="lt2" tx2="dk2" accent1="accent1" accent2="accent2" accent3="accent3" accent4="accent4" accent5="accent5" accent6="accent6" hlink="hlink" folHlink="folHlink"/>
+  <p:notesStyle>
+    <a:lvl1pPr marL="0" algn="l" defTabSz="914400" rtl="0" eaLnBrk="1" latinLnBrk="0" hangingPunct="1">
+      <a:defRPr sz="1200" kern="1200">
+        <a:solidFill>
+          <a:schemeClr val="tx1"/>
+        </a:solidFill>
+        <a:latin typeface="+mn-lt"/>
+        <a:ea typeface="+mn-ea"/>
+        <a:cs typeface="+mn-cs"/>
+      </a:defRPr>
+    </a:lvl1pPr>
+    <a:lvl2pPr marL="457200" algn="l" defTabSz="914400" rtl="0" eaLnBrk="1" latinLnBrk="0" hangingPunct="1">
+      <a:defRPr sz="1200" kern="1200">
+        <a:solidFill>
+          <a:schemeClr val="tx1"/>
+        </a:solidFill>
+        <a:latin typeface="+mn-lt"/>
+        <a:ea typeface="+mn-ea"/>
+        <a:cs typeface="+mn-cs"/>
+      </a:defRPr>
+    </a:lvl2pPr>
+    <a:lvl3pPr marL="914400" algn="l" defTabSz="914400" rtl="0" eaLnBrk="1" latinLnBrk="0" hangingPunct="1">
+      <a:defRPr sz="1200" kern="1200">
+        <a:solidFill>
+          <a:schemeClr val="tx1"/>
+        </a:solidFill>
+        <a:latin typeface="+mn-lt"/>
+        <a:ea typeface="+mn-ea"/>
+        <a:cs typeface="+mn-cs"/>
+      </a:defRPr>
+    </a:lvl3pPr>
+    <a:lvl4pPr marL="1371600" algn="l" defTabSz="914400" rtl="0" eaLnBrk="1" latinLnBrk="0" hangingPunct="1">
+      <a:defRPr sz="1200" kern="1200">
+        <a:solidFill>
+          <a:schemeClr val="tx1"/>
+        </a:solidFill>
+        <a:latin typeface="+mn-lt"/>
+        <a:ea typeface="+mn-ea"/>
+        <a:cs typeface="+mn-cs"/>
+      </a:defRPr>
+    </a:lvl4pPr>
+    <a:lvl5pPr marL="1828800" algn="l" defTabSz="914400" rtl="0" eaLnBrk="1" latinLnBrk="0" hangingPunct="1">
+      <a:defRPr sz="1200" kern="1200">
+        <a:solidFill>
+          <a:schemeClr val="tx1"/>
+        </a:solidFill>
+        <a:latin typeface="+mn-lt"/>
+        <a:ea typeface="+mn-ea"/>
+        <a:cs typeface="+mn-cs"/>
+      </a:defRPr>
+    </a:lvl5pPr>
+    <a:lvl6pPr marL="2286000" algn="l" defTabSz="914400" rtl="0" eaLnBrk="1" latinLnBrk="0" hangingPunct="1">
+      <a:defRPr sz="1200" kern="1200">
+        <a:solidFill>
+          <a:schemeClr val="tx1"/>
+        </a:solidFill>
+        <a:latin typeface="+mn-lt"/>
+        <a:ea typeface="+mn-ea"/>
+        <a:cs typeface="+mn-cs"/>
+      </a:defRPr>
+    </a:lvl6pPr>
+    <a:lvl7pPr marL="2743200" algn="l" defTabSz="914400" rtl="0" eaLnBrk="1" latinLnBrk="0" hangingPunct="1">
+      <a:defRPr sz="1200" kern="1200">
+        <a:solidFill>
+          <a:schemeClr val="tx1"/>
+        </a:solidFill>
+        <a:latin typeface="+mn-lt"/>
+        <a:ea typeface="+mn-ea"/>
+        <a:cs typeface="+mn-cs"/>
+      </a:defRPr>
+    </a:lvl7pPr>
+    <a:lvl8pPr marL="3200400" algn="l" defTabSz="914400" rtl="0" eaLnBrk="1" latinLnBrk="0" hangingPunct="1">
+      <a:defRPr sz="1200" kern="1200">
+        <a:solidFill>
+          <a:schemeClr val="tx1"/>
+        </a:solidFill>
+        <a:latin typeface="+mn-lt"/>
+        <a:ea typeface="+mn-ea"/>
+        <a:cs typeface="+mn-cs"/>
+      </a:defRPr>
+    </a:lvl8pPr>
+    <a:lvl9pPr marL="3657600" algn="l" defTabSz="914400" rtl="0" eaLnBrk="1" latinLnBrk="0" hangingPunct="1">
+      <a:defRPr sz="1200" kern="1200">
+        <a:solidFill>
+          <a:schemeClr val="tx1"/>
+        </a:solidFill>
+        <a:latin typeface="+mn-lt"/>
+        <a:ea typeface="+mn-ea"/>
+        <a:cs typeface="+mn-cs"/>
+      </a:defRPr>
+    </a:lvl9pPr>
+  </p:notesStyle>
+</p:notesMaster>
+</file>
+
+<file path=ppt/notesSlides/notesSlide1.xml><?xml version="1.0" encoding="utf-8"?>
+<p:notes xmlns:a="http://schemas.openxmlformats.org/drawingml/2006/main" xmlns:r="http://schemas.openxmlformats.org/officeDocument/2006/relationships" xmlns:p="http://schemas.openxmlformats.org/presentationml/2006/main">
+  <p:cSld>
+    <p:spTree>
+      <p:nvGrpSpPr>
+        <p:cNvPr id="1" name=""/>
+        <p:cNvGrpSpPr/>
+        <p:nvPr/>
+      </p:nvGrpSpPr>
+      <p:grpSpPr>
+        <a:xfrm>
+          <a:off x="0" y="0"/>
+          <a:ext cx="0" cy="0"/>
+          <a:chOff x="0" y="0"/>
+          <a:chExt cx="0" cy="0"/>
+        </a:xfrm>
+      </p:grpSpPr>
+      <p:sp>
+        <p:nvSpPr>
+          <p:cNvPr id="2" name="Marcador de imagen de diapositiva 1"/>
+          <p:cNvSpPr>
+            <a:spLocks noGrp="1" noRot="1" noChangeAspect="1"/>
+          </p:cNvSpPr>
+          <p:nvPr>
+            <p:ph type="sldImg"/>
+          </p:nvPr>
+        </p:nvSpPr>
+        <p:spPr/>
+      </p:sp>
+      <p:sp>
+        <p:nvSpPr>
+          <p:cNvPr id="3" name="Marcador de notas 2"/>
+          <p:cNvSpPr>
+            <a:spLocks noGrp="1"/>
+          </p:cNvSpPr>
+          <p:nvPr>
+            <p:ph type="body" idx="1"/>
+          </p:nvPr>
+        </p:nvSpPr>
+        <p:spPr/>
+        <p:txBody>
+          <a:bodyPr/>
+          <a:lstStyle/>
+          <a:p>
+            <a:endParaRPr lang="en-US" dirty="0"/>
+          </a:p>
+        </p:txBody>
+      </p:sp>
+      <p:sp>
+        <p:nvSpPr>
+          <p:cNvPr id="4" name="Marcador de número de diapositiva 3"/>
+          <p:cNvSpPr>
+            <a:spLocks noGrp="1"/>
+          </p:cNvSpPr>
+          <p:nvPr>
+            <p:ph type="sldNum" sz="quarter" idx="10"/>
+          </p:nvPr>
+        </p:nvSpPr>
+        <p:spPr/>
+        <p:txBody>
+          <a:bodyPr/>
+          <a:lstStyle/>
+          <a:p>
+            <a:fld id="{94E50BC0-CB95-4498-B267-8D0E3F011EB8}" type="slidenum">
+              <a:rPr lang="en-US" smtClean="0"/>
+              <a:t>1</a:t>
+            </a:fld>
+            <a:endParaRPr lang="en-US"/>
+          </a:p>
+        </p:txBody>
+      </p:sp>
+    </p:spTree>
+    <p:extLst>
+      <p:ext uri="{BB962C8B-B14F-4D97-AF65-F5344CB8AC3E}">
+        <p14:creationId xmlns:p14="http://schemas.microsoft.com/office/powerpoint/2010/main" val="1409947066"/>
+      </p:ext>
+    </p:extLst>
+  </p:cSld>
+  <p:clrMapOvr>
+    <a:masterClrMapping/>
+  </p:clrMapOvr>
+</p:notes>
+</file>
+
+<file path=ppt/notesSlides/notesSlide10.xml><?xml version="1.0" encoding="utf-8"?>
+<p:notes xmlns:a="http://schemas.openxmlformats.org/drawingml/2006/main" xmlns:r="http://schemas.openxmlformats.org/officeDocument/2006/relationships" xmlns:p="http://schemas.openxmlformats.org/presentationml/2006/main">
+  <p:cSld>
+    <p:spTree>
+      <p:nvGrpSpPr>
+        <p:cNvPr id="1" name=""/>
+        <p:cNvGrpSpPr/>
+        <p:nvPr/>
+      </p:nvGrpSpPr>
+      <p:grpSpPr>
+        <a:xfrm>
+          <a:off x="0" y="0"/>
+          <a:ext cx="0" cy="0"/>
+          <a:chOff x="0" y="0"/>
+          <a:chExt cx="0" cy="0"/>
+        </a:xfrm>
+      </p:grpSpPr>
+      <p:sp>
+        <p:nvSpPr>
+          <p:cNvPr id="2" name="Marcador de imagen de diapositiva 1"/>
+          <p:cNvSpPr>
+            <a:spLocks noGrp="1" noRot="1" noChangeAspect="1"/>
+          </p:cNvSpPr>
+          <p:nvPr>
+            <p:ph type="sldImg"/>
+          </p:nvPr>
+        </p:nvSpPr>
+        <p:spPr/>
+      </p:sp>
+      <p:sp>
+        <p:nvSpPr>
+          <p:cNvPr id="3" name="Marcador de notas 2"/>
+          <p:cNvSpPr>
+            <a:spLocks noGrp="1"/>
+          </p:cNvSpPr>
+          <p:nvPr>
+            <p:ph type="body" idx="1"/>
+          </p:nvPr>
+        </p:nvSpPr>
+        <p:spPr/>
+        <p:txBody>
+          <a:bodyPr/>
+          <a:lstStyle/>
+          <a:p>
+            <a:r>
+              <a:rPr lang="es-AR" dirty="0" smtClean="0"/>
+              <a:t>Veamos algunas</a:t>
+            </a:r>
+            <a:r>
+              <a:rPr lang="es-AR" baseline="0" dirty="0" smtClean="0"/>
+              <a:t> de las técnicas de </a:t>
+            </a:r>
+            <a:r>
+              <a:rPr lang="es-AR" baseline="0" dirty="0" err="1" smtClean="0"/>
+              <a:t>preprocesamiento</a:t>
+            </a:r>
+            <a:r>
+              <a:rPr lang="es-AR" baseline="0" dirty="0" smtClean="0"/>
+              <a:t> realizadas para entrenar los modelos…</a:t>
+            </a:r>
+            <a:endParaRPr lang="en-US" dirty="0"/>
+          </a:p>
+        </p:txBody>
+      </p:sp>
+      <p:sp>
+        <p:nvSpPr>
+          <p:cNvPr id="4" name="Marcador de número de diapositiva 3"/>
+          <p:cNvSpPr>
+            <a:spLocks noGrp="1"/>
+          </p:cNvSpPr>
+          <p:nvPr>
+            <p:ph type="sldNum" sz="quarter" idx="10"/>
+          </p:nvPr>
+        </p:nvSpPr>
+        <p:spPr/>
+        <p:txBody>
+          <a:bodyPr/>
+          <a:lstStyle/>
+          <a:p>
+            <a:fld id="{94E50BC0-CB95-4498-B267-8D0E3F011EB8}" type="slidenum">
+              <a:rPr lang="en-US" smtClean="0"/>
+              <a:t>10</a:t>
+            </a:fld>
+            <a:endParaRPr lang="en-US"/>
+          </a:p>
+        </p:txBody>
+      </p:sp>
+    </p:spTree>
+    <p:extLst>
+      <p:ext uri="{BB962C8B-B14F-4D97-AF65-F5344CB8AC3E}">
+        <p14:creationId xmlns:p14="http://schemas.microsoft.com/office/powerpoint/2010/main" val="664246383"/>
+      </p:ext>
+    </p:extLst>
+  </p:cSld>
+  <p:clrMapOvr>
+    <a:masterClrMapping/>
+  </p:clrMapOvr>
+</p:notes>
+</file>
+
+<file path=ppt/notesSlides/notesSlide11.xml><?xml version="1.0" encoding="utf-8"?>
+<p:notes xmlns:a="http://schemas.openxmlformats.org/drawingml/2006/main" xmlns:r="http://schemas.openxmlformats.org/officeDocument/2006/relationships" xmlns:p="http://schemas.openxmlformats.org/presentationml/2006/main">
+  <p:cSld>
+    <p:spTree>
+      <p:nvGrpSpPr>
+        <p:cNvPr id="1" name=""/>
+        <p:cNvGrpSpPr/>
+        <p:nvPr/>
+      </p:nvGrpSpPr>
+      <p:grpSpPr>
+        <a:xfrm>
+          <a:off x="0" y="0"/>
+          <a:ext cx="0" cy="0"/>
+          <a:chOff x="0" y="0"/>
+          <a:chExt cx="0" cy="0"/>
+        </a:xfrm>
+      </p:grpSpPr>
+      <p:sp>
+        <p:nvSpPr>
+          <p:cNvPr id="2" name="Marcador de imagen de diapositiva 1"/>
+          <p:cNvSpPr>
+            <a:spLocks noGrp="1" noRot="1" noChangeAspect="1"/>
+          </p:cNvSpPr>
+          <p:nvPr>
+            <p:ph type="sldImg"/>
+          </p:nvPr>
+        </p:nvSpPr>
+        <p:spPr/>
+      </p:sp>
+      <p:sp>
+        <p:nvSpPr>
+          <p:cNvPr id="3" name="Marcador de notas 2"/>
+          <p:cNvSpPr>
+            <a:spLocks noGrp="1"/>
+          </p:cNvSpPr>
+          <p:nvPr>
+            <p:ph type="body" idx="1"/>
+          </p:nvPr>
+        </p:nvSpPr>
+        <p:spPr/>
+        <p:txBody>
+          <a:bodyPr/>
+          <a:lstStyle/>
+          <a:p>
+            <a:r>
+              <a:rPr lang="es-ES" dirty="0" smtClean="0"/>
+              <a:t>Cuando se trata de imágenes a color, suele hacerse un cambio para convertir la imagen a la escala de grises y evitar mayor procesamiento con tres canales de colores básicos que tiene toda imagen en color.</a:t>
+            </a:r>
+          </a:p>
+          <a:p>
+            <a:endParaRPr lang="es-ES" dirty="0" smtClean="0"/>
+          </a:p>
+          <a:p>
+            <a:r>
+              <a:rPr lang="es-ES" dirty="0" smtClean="0"/>
+              <a:t>En función del</a:t>
+            </a:r>
+            <a:r>
+              <a:rPr lang="es-ES" baseline="0" dirty="0" smtClean="0"/>
+              <a:t> objetivo que se busca, se debe definir si es conveniente o no realizar esta </a:t>
+            </a:r>
+            <a:r>
+              <a:rPr lang="es-ES" baseline="0" dirty="0" err="1" smtClean="0"/>
+              <a:t>modificacion</a:t>
+            </a:r>
+            <a:r>
+              <a:rPr lang="es-ES" baseline="0" dirty="0" smtClean="0"/>
+              <a:t>….. Es una de las pruebas que se puede realizar.</a:t>
+            </a:r>
+            <a:endParaRPr lang="en-US" dirty="0"/>
+          </a:p>
+        </p:txBody>
+      </p:sp>
+      <p:sp>
+        <p:nvSpPr>
+          <p:cNvPr id="4" name="Marcador de número de diapositiva 3"/>
+          <p:cNvSpPr>
+            <a:spLocks noGrp="1"/>
+          </p:cNvSpPr>
+          <p:nvPr>
+            <p:ph type="sldNum" sz="quarter" idx="10"/>
+          </p:nvPr>
+        </p:nvSpPr>
+        <p:spPr/>
+        <p:txBody>
+          <a:bodyPr/>
+          <a:lstStyle/>
+          <a:p>
+            <a:fld id="{94E50BC0-CB95-4498-B267-8D0E3F011EB8}" type="slidenum">
+              <a:rPr lang="en-US" smtClean="0"/>
+              <a:t>11</a:t>
+            </a:fld>
+            <a:endParaRPr lang="en-US"/>
+          </a:p>
+        </p:txBody>
+      </p:sp>
+    </p:spTree>
+    <p:extLst>
+      <p:ext uri="{BB962C8B-B14F-4D97-AF65-F5344CB8AC3E}">
+        <p14:creationId xmlns:p14="http://schemas.microsoft.com/office/powerpoint/2010/main" val="4176387525"/>
+      </p:ext>
+    </p:extLst>
+  </p:cSld>
+  <p:clrMapOvr>
+    <a:masterClrMapping/>
+  </p:clrMapOvr>
+</p:notes>
+</file>
+
+<file path=ppt/notesSlides/notesSlide12.xml><?xml version="1.0" encoding="utf-8"?>
+<p:notes xmlns:a="http://schemas.openxmlformats.org/drawingml/2006/main" xmlns:r="http://schemas.openxmlformats.org/officeDocument/2006/relationships" xmlns:p="http://schemas.openxmlformats.org/presentationml/2006/main">
+  <p:cSld>
+    <p:spTree>
+      <p:nvGrpSpPr>
+        <p:cNvPr id="1" name=""/>
+        <p:cNvGrpSpPr/>
+        <p:nvPr/>
+      </p:nvGrpSpPr>
+      <p:grpSpPr>
+        <a:xfrm>
+          <a:off x="0" y="0"/>
+          <a:ext cx="0" cy="0"/>
+          <a:chOff x="0" y="0"/>
+          <a:chExt cx="0" cy="0"/>
+        </a:xfrm>
+      </p:grpSpPr>
+      <p:sp>
+        <p:nvSpPr>
+          <p:cNvPr id="2" name="Marcador de imagen de diapositiva 1"/>
+          <p:cNvSpPr>
+            <a:spLocks noGrp="1" noRot="1" noChangeAspect="1"/>
+          </p:cNvSpPr>
+          <p:nvPr>
+            <p:ph type="sldImg"/>
+          </p:nvPr>
+        </p:nvSpPr>
+        <p:spPr/>
+      </p:sp>
+      <p:sp>
+        <p:nvSpPr>
+          <p:cNvPr id="3" name="Marcador de notas 2"/>
+          <p:cNvSpPr>
+            <a:spLocks noGrp="1"/>
+          </p:cNvSpPr>
+          <p:nvPr>
+            <p:ph type="body" idx="1"/>
+          </p:nvPr>
+        </p:nvSpPr>
+        <p:spPr/>
+        <p:txBody>
+          <a:bodyPr/>
+          <a:lstStyle/>
+          <a:p>
+            <a:r>
+              <a:rPr lang="es-AR" dirty="0" smtClean="0"/>
+              <a:t>Otra de las técnicas utilizadas</a:t>
+            </a:r>
+            <a:r>
+              <a:rPr lang="es-AR" baseline="0" dirty="0" smtClean="0"/>
+              <a:t> es la de Data </a:t>
+            </a:r>
+            <a:r>
+              <a:rPr lang="es-AR" baseline="0" dirty="0" err="1" smtClean="0"/>
+              <a:t>Augmentation</a:t>
+            </a:r>
+            <a:r>
+              <a:rPr lang="es-AR" baseline="0" dirty="0" smtClean="0"/>
+              <a:t>…. La cual </a:t>
+            </a:r>
+            <a:r>
+              <a:rPr lang="es-ES" sz="1200" b="0" i="0" kern="1200" dirty="0" smtClean="0">
+                <a:solidFill>
+                  <a:schemeClr val="tx1"/>
+                </a:solidFill>
+                <a:effectLst/>
+                <a:latin typeface="+mn-lt"/>
+                <a:ea typeface="+mn-ea"/>
+                <a:cs typeface="+mn-cs"/>
+              </a:rPr>
+              <a:t>nos permite aumentar nuestro set de datos de entrenamiento para mejorar la precisión, la generalización, y controlar el </a:t>
+            </a:r>
+            <a:r>
+              <a:rPr lang="es-ES" sz="1200" b="0" i="0" kern="1200" dirty="0" err="1" smtClean="0">
+                <a:solidFill>
+                  <a:schemeClr val="tx1"/>
+                </a:solidFill>
+                <a:effectLst/>
+                <a:latin typeface="+mn-lt"/>
+                <a:ea typeface="+mn-ea"/>
+                <a:cs typeface="+mn-cs"/>
+              </a:rPr>
+              <a:t>overfitting</a:t>
+            </a:r>
+            <a:r>
+              <a:rPr lang="es-ES" sz="1200" b="0" i="0" kern="1200" dirty="0" smtClean="0">
+                <a:solidFill>
+                  <a:schemeClr val="tx1"/>
+                </a:solidFill>
+                <a:effectLst/>
+                <a:latin typeface="+mn-lt"/>
+                <a:ea typeface="+mn-ea"/>
+                <a:cs typeface="+mn-cs"/>
+              </a:rPr>
+              <a:t>.</a:t>
+            </a:r>
+          </a:p>
+          <a:p>
+            <a:endParaRPr lang="es-ES" sz="1200" b="0" i="0" kern="1200" dirty="0" smtClean="0">
+              <a:solidFill>
+                <a:schemeClr val="tx1"/>
+              </a:solidFill>
+              <a:effectLst/>
+              <a:latin typeface="+mn-lt"/>
+              <a:ea typeface="+mn-ea"/>
+              <a:cs typeface="+mn-cs"/>
+            </a:endParaRPr>
+          </a:p>
+          <a:p>
+            <a:r>
+              <a:rPr lang="es-ES" sz="1200" b="0" i="0" kern="1200" dirty="0" smtClean="0">
+                <a:solidFill>
+                  <a:schemeClr val="tx1"/>
+                </a:solidFill>
+                <a:effectLst/>
+                <a:latin typeface="+mn-lt"/>
+                <a:ea typeface="+mn-ea"/>
+                <a:cs typeface="+mn-cs"/>
+              </a:rPr>
+              <a:t>Se hace</a:t>
+            </a:r>
+            <a:r>
+              <a:rPr lang="es-ES" sz="1200" b="0" i="0" kern="1200" baseline="0" dirty="0" smtClean="0">
+                <a:solidFill>
+                  <a:schemeClr val="tx1"/>
+                </a:solidFill>
+                <a:effectLst/>
+                <a:latin typeface="+mn-lt"/>
+                <a:ea typeface="+mn-ea"/>
+                <a:cs typeface="+mn-cs"/>
+              </a:rPr>
+              <a:t> tomando las imágenes del conjunto de entrenamiento y realizándole algunas modificaciones, como girarla, voltearla horizontal o verticalmente, hacerle zoom, cambiarle el brillo….. Esto va a hacer que nuestra red neuronal lo interprete como imágenes diferentes y disponga de un mayor conjunto de datos para entrenarla.</a:t>
+            </a:r>
+            <a:endParaRPr lang="en-US" dirty="0"/>
+          </a:p>
+        </p:txBody>
+      </p:sp>
+      <p:sp>
+        <p:nvSpPr>
+          <p:cNvPr id="4" name="Marcador de número de diapositiva 3"/>
+          <p:cNvSpPr>
+            <a:spLocks noGrp="1"/>
+          </p:cNvSpPr>
+          <p:nvPr>
+            <p:ph type="sldNum" sz="quarter" idx="10"/>
+          </p:nvPr>
+        </p:nvSpPr>
+        <p:spPr/>
+        <p:txBody>
+          <a:bodyPr/>
+          <a:lstStyle/>
+          <a:p>
+            <a:fld id="{94E50BC0-CB95-4498-B267-8D0E3F011EB8}" type="slidenum">
+              <a:rPr lang="en-US" smtClean="0"/>
+              <a:t>12</a:t>
+            </a:fld>
+            <a:endParaRPr lang="en-US"/>
+          </a:p>
+        </p:txBody>
+      </p:sp>
+    </p:spTree>
+    <p:extLst>
+      <p:ext uri="{BB962C8B-B14F-4D97-AF65-F5344CB8AC3E}">
+        <p14:creationId xmlns:p14="http://schemas.microsoft.com/office/powerpoint/2010/main" val="386900433"/>
+      </p:ext>
+    </p:extLst>
+  </p:cSld>
+  <p:clrMapOvr>
+    <a:masterClrMapping/>
+  </p:clrMapOvr>
+</p:notes>
+</file>
+
+<file path=ppt/notesSlides/notesSlide13.xml><?xml version="1.0" encoding="utf-8"?>
+<p:notes xmlns:a="http://schemas.openxmlformats.org/drawingml/2006/main" xmlns:r="http://schemas.openxmlformats.org/officeDocument/2006/relationships" xmlns:p="http://schemas.openxmlformats.org/presentationml/2006/main">
+  <p:cSld>
+    <p:spTree>
+      <p:nvGrpSpPr>
+        <p:cNvPr id="1" name=""/>
+        <p:cNvGrpSpPr/>
+        <p:nvPr/>
+      </p:nvGrpSpPr>
+      <p:grpSpPr>
+        <a:xfrm>
+          <a:off x="0" y="0"/>
+          <a:ext cx="0" cy="0"/>
+          <a:chOff x="0" y="0"/>
+          <a:chExt cx="0" cy="0"/>
+        </a:xfrm>
+      </p:grpSpPr>
+      <p:sp>
+        <p:nvSpPr>
+          <p:cNvPr id="2" name="Marcador de imagen de diapositiva 1"/>
+          <p:cNvSpPr>
+            <a:spLocks noGrp="1" noRot="1" noChangeAspect="1"/>
+          </p:cNvSpPr>
+          <p:nvPr>
+            <p:ph type="sldImg"/>
+          </p:nvPr>
+        </p:nvSpPr>
+        <p:spPr/>
+      </p:sp>
+      <p:sp>
+        <p:nvSpPr>
+          <p:cNvPr id="3" name="Marcador de notas 2"/>
+          <p:cNvSpPr>
+            <a:spLocks noGrp="1"/>
+          </p:cNvSpPr>
+          <p:nvPr>
+            <p:ph type="body" idx="1"/>
+          </p:nvPr>
+        </p:nvSpPr>
+        <p:spPr/>
+        <p:txBody>
+          <a:bodyPr/>
+          <a:lstStyle/>
+          <a:p>
+            <a:r>
+              <a:rPr lang="es-AR" dirty="0" smtClean="0"/>
+              <a:t>En</a:t>
+            </a:r>
+            <a:r>
+              <a:rPr lang="es-AR" baseline="0" dirty="0" smtClean="0"/>
+              <a:t> cuanto a las conclusiones, me gustaría hacer </a:t>
+            </a:r>
+            <a:r>
+              <a:rPr lang="es-AR" baseline="0" dirty="0" err="1" smtClean="0"/>
+              <a:t>incapie</a:t>
+            </a:r>
+            <a:r>
+              <a:rPr lang="es-AR" baseline="0" dirty="0" smtClean="0"/>
+              <a:t> en 3 puntos……</a:t>
+            </a:r>
+          </a:p>
+          <a:p>
+            <a:r>
+              <a:rPr lang="es-AR" baseline="0" dirty="0" smtClean="0"/>
+              <a:t>Por un lado, se podría seguir probando mediante cambios en la arquitectura de las capas de la red, o usar una red mas profunda… aunque no necesariamente mejoraría los resultados…</a:t>
+            </a:r>
+          </a:p>
+          <a:p>
+            <a:endParaRPr lang="es-AR" baseline="0" dirty="0" smtClean="0"/>
+          </a:p>
+          <a:p>
+            <a:r>
+              <a:rPr lang="es-AR" baseline="0" dirty="0" err="1" smtClean="0"/>
+              <a:t>Tambien</a:t>
+            </a:r>
+            <a:r>
+              <a:rPr lang="es-AR" baseline="0" dirty="0" smtClean="0"/>
+              <a:t> se podría usar </a:t>
+            </a:r>
+            <a:r>
+              <a:rPr lang="es-AR" baseline="0" dirty="0" err="1" smtClean="0"/>
+              <a:t>GridSearch</a:t>
+            </a:r>
+            <a:r>
+              <a:rPr lang="es-AR" baseline="0" dirty="0" smtClean="0"/>
+              <a:t> para ajustar mejor los </a:t>
+            </a:r>
+            <a:r>
+              <a:rPr lang="es-AR" baseline="0" dirty="0" err="1" smtClean="0"/>
+              <a:t>hiperparametros</a:t>
+            </a:r>
+            <a:r>
+              <a:rPr lang="es-AR" baseline="0" dirty="0" smtClean="0"/>
+              <a:t> y obtener mejores resultados… </a:t>
+            </a:r>
+            <a:r>
+              <a:rPr lang="es-AR" baseline="0" dirty="0" err="1" smtClean="0"/>
+              <a:t>Podrian</a:t>
+            </a:r>
+            <a:r>
+              <a:rPr lang="es-AR" baseline="0" dirty="0" smtClean="0"/>
+              <a:t> cambiarse parámetros como el optimizador, funciones de activación, números de épocas y demás…</a:t>
+            </a:r>
+          </a:p>
+          <a:p>
+            <a:endParaRPr lang="es-AR" baseline="0" dirty="0" smtClean="0"/>
+          </a:p>
+          <a:p>
+            <a:r>
+              <a:rPr lang="es-AR" baseline="0" dirty="0" smtClean="0"/>
+              <a:t>Por ultimo, creo que usar Transfer </a:t>
+            </a:r>
+            <a:r>
+              <a:rPr lang="es-AR" baseline="0" dirty="0" err="1" smtClean="0"/>
+              <a:t>Learning</a:t>
+            </a:r>
+            <a:r>
+              <a:rPr lang="es-AR" baseline="0" dirty="0" smtClean="0"/>
+              <a:t>… mediante redes neuronales </a:t>
+            </a:r>
+            <a:r>
+              <a:rPr lang="es-AR" baseline="0" dirty="0" err="1" smtClean="0"/>
+              <a:t>preentrenadas</a:t>
+            </a:r>
+            <a:r>
+              <a:rPr lang="es-AR" baseline="0" dirty="0" smtClean="0"/>
+              <a:t>… como VGG16 o ResNet50… </a:t>
+            </a:r>
+            <a:r>
+              <a:rPr lang="es-ES" baseline="0" dirty="0" smtClean="0"/>
+              <a:t>siendo ésta probablemente la medida que mayores repercusiones favorables tenga sobre los modelos predictivos.</a:t>
+            </a:r>
+            <a:endParaRPr lang="en-US" dirty="0"/>
+          </a:p>
+        </p:txBody>
+      </p:sp>
+      <p:sp>
+        <p:nvSpPr>
+          <p:cNvPr id="4" name="Marcador de número de diapositiva 3"/>
+          <p:cNvSpPr>
+            <a:spLocks noGrp="1"/>
+          </p:cNvSpPr>
+          <p:nvPr>
+            <p:ph type="sldNum" sz="quarter" idx="10"/>
+          </p:nvPr>
+        </p:nvSpPr>
+        <p:spPr/>
+        <p:txBody>
+          <a:bodyPr/>
+          <a:lstStyle/>
+          <a:p>
+            <a:fld id="{94E50BC0-CB95-4498-B267-8D0E3F011EB8}" type="slidenum">
+              <a:rPr lang="en-US" smtClean="0"/>
+              <a:t>18</a:t>
+            </a:fld>
+            <a:endParaRPr lang="en-US"/>
+          </a:p>
+        </p:txBody>
+      </p:sp>
+    </p:spTree>
+    <p:extLst>
+      <p:ext uri="{BB962C8B-B14F-4D97-AF65-F5344CB8AC3E}">
+        <p14:creationId xmlns:p14="http://schemas.microsoft.com/office/powerpoint/2010/main" val="2222780769"/>
+      </p:ext>
+    </p:extLst>
+  </p:cSld>
+  <p:clrMapOvr>
+    <a:masterClrMapping/>
+  </p:clrMapOvr>
+</p:notes>
+</file>
+
+<file path=ppt/notesSlides/notesSlide14.xml><?xml version="1.0" encoding="utf-8"?>
+<p:notes xmlns:a="http://schemas.openxmlformats.org/drawingml/2006/main" xmlns:r="http://schemas.openxmlformats.org/officeDocument/2006/relationships" xmlns:p="http://schemas.openxmlformats.org/presentationml/2006/main">
+  <p:cSld>
+    <p:spTree>
+      <p:nvGrpSpPr>
+        <p:cNvPr id="1" name=""/>
+        <p:cNvGrpSpPr/>
+        <p:nvPr/>
+      </p:nvGrpSpPr>
+      <p:grpSpPr>
+        <a:xfrm>
+          <a:off x="0" y="0"/>
+          <a:ext cx="0" cy="0"/>
+          <a:chOff x="0" y="0"/>
+          <a:chExt cx="0" cy="0"/>
+        </a:xfrm>
+      </p:grpSpPr>
+      <p:sp>
+        <p:nvSpPr>
+          <p:cNvPr id="2" name="Marcador de imagen de diapositiva 1"/>
+          <p:cNvSpPr>
+            <a:spLocks noGrp="1" noRot="1" noChangeAspect="1"/>
+          </p:cNvSpPr>
+          <p:nvPr>
+            <p:ph type="sldImg"/>
+          </p:nvPr>
+        </p:nvSpPr>
+        <p:spPr/>
+      </p:sp>
+      <p:sp>
+        <p:nvSpPr>
+          <p:cNvPr id="3" name="Marcador de notas 2"/>
+          <p:cNvSpPr>
+            <a:spLocks noGrp="1"/>
+          </p:cNvSpPr>
+          <p:nvPr>
+            <p:ph type="body" idx="1"/>
+          </p:nvPr>
+        </p:nvSpPr>
+        <p:spPr/>
+        <p:txBody>
+          <a:bodyPr/>
+          <a:lstStyle/>
+          <a:p>
+            <a:endParaRPr lang="en-US" dirty="0"/>
+          </a:p>
+        </p:txBody>
+      </p:sp>
+      <p:sp>
+        <p:nvSpPr>
+          <p:cNvPr id="4" name="Marcador de número de diapositiva 3"/>
+          <p:cNvSpPr>
+            <a:spLocks noGrp="1"/>
+          </p:cNvSpPr>
+          <p:nvPr>
+            <p:ph type="sldNum" sz="quarter" idx="10"/>
+          </p:nvPr>
+        </p:nvSpPr>
+        <p:spPr/>
+        <p:txBody>
+          <a:bodyPr/>
+          <a:lstStyle/>
+          <a:p>
+            <a:fld id="{94E50BC0-CB95-4498-B267-8D0E3F011EB8}" type="slidenum">
+              <a:rPr lang="en-US" smtClean="0"/>
+              <a:t>19</a:t>
+            </a:fld>
+            <a:endParaRPr lang="en-US"/>
+          </a:p>
+        </p:txBody>
+      </p:sp>
+    </p:spTree>
+    <p:extLst>
+      <p:ext uri="{BB962C8B-B14F-4D97-AF65-F5344CB8AC3E}">
+        <p14:creationId xmlns:p14="http://schemas.microsoft.com/office/powerpoint/2010/main" val="3193243858"/>
+      </p:ext>
+    </p:extLst>
+  </p:cSld>
+  <p:clrMapOvr>
+    <a:masterClrMapping/>
+  </p:clrMapOvr>
+</p:notes>
+</file>
+
+<file path=ppt/notesSlides/notesSlide2.xml><?xml version="1.0" encoding="utf-8"?>
+<p:notes xmlns:a="http://schemas.openxmlformats.org/drawingml/2006/main" xmlns:r="http://schemas.openxmlformats.org/officeDocument/2006/relationships" xmlns:p="http://schemas.openxmlformats.org/presentationml/2006/main">
+  <p:cSld>
+    <p:spTree>
+      <p:nvGrpSpPr>
+        <p:cNvPr id="1" name=""/>
+        <p:cNvGrpSpPr/>
+        <p:nvPr/>
+      </p:nvGrpSpPr>
+      <p:grpSpPr>
+        <a:xfrm>
+          <a:off x="0" y="0"/>
+          <a:ext cx="0" cy="0"/>
+          <a:chOff x="0" y="0"/>
+          <a:chExt cx="0" cy="0"/>
+        </a:xfrm>
+      </p:grpSpPr>
+      <p:sp>
+        <p:nvSpPr>
+          <p:cNvPr id="2" name="Marcador de imagen de diapositiva 1"/>
+          <p:cNvSpPr>
+            <a:spLocks noGrp="1" noRot="1" noChangeAspect="1"/>
+          </p:cNvSpPr>
+          <p:nvPr>
+            <p:ph type="sldImg"/>
+          </p:nvPr>
+        </p:nvSpPr>
+        <p:spPr/>
+      </p:sp>
+      <p:sp>
+        <p:nvSpPr>
+          <p:cNvPr id="3" name="Marcador de notas 2"/>
+          <p:cNvSpPr>
+            <a:spLocks noGrp="1"/>
+          </p:cNvSpPr>
+          <p:nvPr>
+            <p:ph type="body" idx="1"/>
+          </p:nvPr>
+        </p:nvSpPr>
+        <p:spPr/>
+        <p:txBody>
+          <a:bodyPr/>
+          <a:lstStyle/>
+          <a:p>
+            <a:r>
+              <a:rPr lang="es-AR" dirty="0" smtClean="0"/>
+              <a:t>Antes que nada me presento:</a:t>
+            </a:r>
+            <a:r>
+              <a:rPr lang="es-AR" baseline="0" dirty="0" smtClean="0"/>
+              <a:t> mi nombre es Leonardo </a:t>
+            </a:r>
+            <a:r>
+              <a:rPr lang="es-AR" baseline="0" dirty="0" err="1" smtClean="0"/>
+              <a:t>Frazzetto</a:t>
+            </a:r>
+            <a:r>
+              <a:rPr lang="es-AR" baseline="0" dirty="0" smtClean="0"/>
+              <a:t>, soy estudiante de Data </a:t>
+            </a:r>
+            <a:r>
+              <a:rPr lang="es-AR" baseline="0" dirty="0" err="1" smtClean="0"/>
+              <a:t>Science</a:t>
+            </a:r>
+            <a:r>
+              <a:rPr lang="es-AR" baseline="0" dirty="0" smtClean="0"/>
+              <a:t> en </a:t>
+            </a:r>
+            <a:r>
+              <a:rPr lang="es-AR" baseline="0" dirty="0" err="1" smtClean="0"/>
+              <a:t>The</a:t>
+            </a:r>
+            <a:r>
+              <a:rPr lang="es-AR" baseline="0" dirty="0" smtClean="0"/>
+              <a:t> Bridge e Ingeniero Químico.</a:t>
+            </a:r>
+          </a:p>
+          <a:p>
+            <a:r>
+              <a:rPr lang="es-AR" baseline="0" dirty="0" smtClean="0"/>
+              <a:t>Y por sobre todas las cosas, soy amante de los perros sin discriminación de raza, tamaño o forma.</a:t>
+            </a:r>
+          </a:p>
+          <a:p>
+            <a:r>
+              <a:rPr lang="es-AR" baseline="0" dirty="0" smtClean="0"/>
+              <a:t>De hecho siempre que tuve la oportunidad he participado junto a protectoras para tomar perros en transito con la idea de logar encontrarles una familia que pueda brindarle al menos una fracción de todo el amor que ellos tienen para dar.</a:t>
+            </a:r>
+          </a:p>
+          <a:p>
+            <a:endParaRPr lang="es-AR" baseline="0" dirty="0" smtClean="0"/>
+          </a:p>
+          <a:p>
+            <a:r>
+              <a:rPr lang="es-AR" baseline="0" dirty="0" smtClean="0"/>
+              <a:t>El conjunto de datos está conformado por más de 20mil imágenes de perros de 120 razas diferentes con una resolución de 224 x 224… y fue obtenido de </a:t>
+            </a:r>
+            <a:r>
+              <a:rPr lang="es-AR" baseline="0" dirty="0" err="1" smtClean="0"/>
+              <a:t>Kaggle</a:t>
+            </a:r>
+            <a:endParaRPr lang="en-US" dirty="0"/>
+          </a:p>
+        </p:txBody>
+      </p:sp>
+      <p:sp>
+        <p:nvSpPr>
+          <p:cNvPr id="4" name="Marcador de número de diapositiva 3"/>
+          <p:cNvSpPr>
+            <a:spLocks noGrp="1"/>
+          </p:cNvSpPr>
+          <p:nvPr>
+            <p:ph type="sldNum" sz="quarter" idx="10"/>
+          </p:nvPr>
+        </p:nvSpPr>
+        <p:spPr/>
+        <p:txBody>
+          <a:bodyPr/>
+          <a:lstStyle/>
+          <a:p>
+            <a:fld id="{94E50BC0-CB95-4498-B267-8D0E3F011EB8}" type="slidenum">
+              <a:rPr lang="en-US" smtClean="0"/>
+              <a:t>2</a:t>
+            </a:fld>
+            <a:endParaRPr lang="en-US"/>
+          </a:p>
+        </p:txBody>
+      </p:sp>
+    </p:spTree>
+    <p:extLst>
+      <p:ext uri="{BB962C8B-B14F-4D97-AF65-F5344CB8AC3E}">
+        <p14:creationId xmlns:p14="http://schemas.microsoft.com/office/powerpoint/2010/main" val="984731871"/>
+      </p:ext>
+    </p:extLst>
+  </p:cSld>
+  <p:clrMapOvr>
+    <a:masterClrMapping/>
+  </p:clrMapOvr>
+</p:notes>
+</file>
+
+<file path=ppt/notesSlides/notesSlide3.xml><?xml version="1.0" encoding="utf-8"?>
+<p:notes xmlns:a="http://schemas.openxmlformats.org/drawingml/2006/main" xmlns:r="http://schemas.openxmlformats.org/officeDocument/2006/relationships" xmlns:p="http://schemas.openxmlformats.org/presentationml/2006/main">
+  <p:cSld>
+    <p:spTree>
+      <p:nvGrpSpPr>
+        <p:cNvPr id="1" name=""/>
+        <p:cNvGrpSpPr/>
+        <p:nvPr/>
+      </p:nvGrpSpPr>
+      <p:grpSpPr>
+        <a:xfrm>
+          <a:off x="0" y="0"/>
+          <a:ext cx="0" cy="0"/>
+          <a:chOff x="0" y="0"/>
+          <a:chExt cx="0" cy="0"/>
+        </a:xfrm>
+      </p:grpSpPr>
+      <p:sp>
+        <p:nvSpPr>
+          <p:cNvPr id="2" name="Marcador de imagen de diapositiva 1"/>
+          <p:cNvSpPr>
+            <a:spLocks noGrp="1" noRot="1" noChangeAspect="1"/>
+          </p:cNvSpPr>
+          <p:nvPr>
+            <p:ph type="sldImg"/>
+          </p:nvPr>
+        </p:nvSpPr>
+        <p:spPr/>
+      </p:sp>
+      <p:sp>
+        <p:nvSpPr>
+          <p:cNvPr id="3" name="Marcador de notas 2"/>
+          <p:cNvSpPr>
+            <a:spLocks noGrp="1"/>
+          </p:cNvSpPr>
+          <p:nvPr>
+            <p:ph type="body" idx="1"/>
+          </p:nvPr>
+        </p:nvSpPr>
+        <p:spPr/>
+        <p:txBody>
+          <a:bodyPr/>
+          <a:lstStyle/>
+          <a:p>
+            <a:r>
+              <a:rPr lang="es-AR" dirty="0" smtClean="0"/>
+              <a:t>Hoy les voy a hablar</a:t>
+            </a:r>
+            <a:r>
+              <a:rPr lang="es-AR" baseline="0" dirty="0" smtClean="0"/>
+              <a:t> un poco sobre el contexto en el que se ubica este proyecto… cuál es su intención y cuáles son las tecnologías utilizadas para lograrlo.</a:t>
+            </a:r>
+          </a:p>
+          <a:p>
+            <a:r>
+              <a:rPr lang="es-AR" baseline="0" dirty="0" smtClean="0"/>
+              <a:t>Luego veremos lo que serían las Redes Neuronales </a:t>
+            </a:r>
+            <a:r>
+              <a:rPr lang="es-AR" baseline="0" dirty="0" err="1" smtClean="0"/>
+              <a:t>Convolucionales</a:t>
+            </a:r>
+            <a:r>
+              <a:rPr lang="es-AR" baseline="0" dirty="0" smtClean="0"/>
+              <a:t> y las capas que las componen.</a:t>
+            </a:r>
+          </a:p>
+          <a:p>
+            <a:r>
+              <a:rPr lang="es-AR" baseline="0" dirty="0" smtClean="0"/>
+              <a:t>Hablaremos también sobre algunas de las técnicas de </a:t>
+            </a:r>
+            <a:r>
+              <a:rPr lang="es-AR" baseline="0" dirty="0" err="1" smtClean="0"/>
+              <a:t>preprocesamiento</a:t>
+            </a:r>
+            <a:r>
+              <a:rPr lang="es-AR" baseline="0" dirty="0" smtClean="0"/>
+              <a:t> que he realizado sobre las imágenes.</a:t>
+            </a:r>
+            <a:endParaRPr lang="en-US" baseline="0" dirty="0" smtClean="0"/>
+          </a:p>
+          <a:p>
+            <a:r>
+              <a:rPr lang="es-AR" baseline="0" dirty="0" smtClean="0"/>
+              <a:t>Acto seguido veremos cuáles fueron los resultados obtenidos por los modelos confeccionados e intentaremos hacer una predicción.</a:t>
+            </a:r>
+          </a:p>
+          <a:p>
+            <a:r>
+              <a:rPr lang="es-AR" baseline="0" dirty="0" smtClean="0"/>
+              <a:t>Por último veremos las conclusiones del proyecto.</a:t>
+            </a:r>
+          </a:p>
+        </p:txBody>
+      </p:sp>
+      <p:sp>
+        <p:nvSpPr>
+          <p:cNvPr id="4" name="Marcador de número de diapositiva 3"/>
+          <p:cNvSpPr>
+            <a:spLocks noGrp="1"/>
+          </p:cNvSpPr>
+          <p:nvPr>
+            <p:ph type="sldNum" sz="quarter" idx="10"/>
+          </p:nvPr>
+        </p:nvSpPr>
+        <p:spPr/>
+        <p:txBody>
+          <a:bodyPr/>
+          <a:lstStyle/>
+          <a:p>
+            <a:fld id="{94E50BC0-CB95-4498-B267-8D0E3F011EB8}" type="slidenum">
+              <a:rPr lang="en-US" smtClean="0"/>
+              <a:t>3</a:t>
+            </a:fld>
+            <a:endParaRPr lang="en-US"/>
+          </a:p>
+        </p:txBody>
+      </p:sp>
+    </p:spTree>
+    <p:extLst>
+      <p:ext uri="{BB962C8B-B14F-4D97-AF65-F5344CB8AC3E}">
+        <p14:creationId xmlns:p14="http://schemas.microsoft.com/office/powerpoint/2010/main" val="3334517664"/>
+      </p:ext>
+    </p:extLst>
+  </p:cSld>
+  <p:clrMapOvr>
+    <a:masterClrMapping/>
+  </p:clrMapOvr>
+</p:notes>
+</file>
+
+<file path=ppt/notesSlides/notesSlide4.xml><?xml version="1.0" encoding="utf-8"?>
+<p:notes xmlns:a="http://schemas.openxmlformats.org/drawingml/2006/main" xmlns:r="http://schemas.openxmlformats.org/officeDocument/2006/relationships" xmlns:p="http://schemas.openxmlformats.org/presentationml/2006/main">
+  <p:cSld>
+    <p:spTree>
+      <p:nvGrpSpPr>
+        <p:cNvPr id="1" name=""/>
+        <p:cNvGrpSpPr/>
+        <p:nvPr/>
+      </p:nvGrpSpPr>
+      <p:grpSpPr>
+        <a:xfrm>
+          <a:off x="0" y="0"/>
+          <a:ext cx="0" cy="0"/>
+          <a:chOff x="0" y="0"/>
+          <a:chExt cx="0" cy="0"/>
+        </a:xfrm>
+      </p:grpSpPr>
+      <p:sp>
+        <p:nvSpPr>
+          <p:cNvPr id="2" name="Marcador de imagen de diapositiva 1"/>
+          <p:cNvSpPr>
+            <a:spLocks noGrp="1" noRot="1" noChangeAspect="1"/>
+          </p:cNvSpPr>
+          <p:nvPr>
+            <p:ph type="sldImg"/>
+          </p:nvPr>
+        </p:nvSpPr>
+        <p:spPr/>
+      </p:sp>
+      <p:sp>
+        <p:nvSpPr>
+          <p:cNvPr id="3" name="Marcador de notas 2"/>
+          <p:cNvSpPr>
+            <a:spLocks noGrp="1"/>
+          </p:cNvSpPr>
+          <p:nvPr>
+            <p:ph type="body" idx="1"/>
+          </p:nvPr>
+        </p:nvSpPr>
+        <p:spPr/>
+        <p:txBody>
+          <a:bodyPr/>
+          <a:lstStyle/>
+          <a:p>
+            <a:r>
+              <a:rPr lang="es-AR" dirty="0" smtClean="0"/>
+              <a:t>A día de hoy, la Federación </a:t>
+            </a:r>
+            <a:r>
+              <a:rPr lang="es-AR" dirty="0" err="1" smtClean="0"/>
+              <a:t>Cinológica</a:t>
+            </a:r>
+            <a:r>
+              <a:rPr lang="es-AR" baseline="0" dirty="0" smtClean="0"/>
+              <a:t> Internacional reconoce 368 razas de perro diferentes.</a:t>
+            </a:r>
+          </a:p>
+          <a:p>
+            <a:endParaRPr lang="es-AR" baseline="0" dirty="0" smtClean="0"/>
+          </a:p>
+          <a:p>
+            <a:r>
+              <a:rPr lang="es-AR" baseline="0" dirty="0" smtClean="0"/>
+              <a:t>La intensión de este proyecto viene como consecuencia de una anécdota que me sucedió hace tiempo… Vi un perro que no había visto nunca antes. Era un perro bastante raro, que parecía una cruza entre un Galgo y un Afgano… La verdad que no era un perro muy lindo, pero tenia mucha curiosidad por saber de que raza se trataba… Entonces no se me ocurrió otra cosa que ir a preguntarle al dueño… diciéndole lo “LINDO” que era el perro.</a:t>
+            </a:r>
+          </a:p>
+          <a:p>
+            <a:endParaRPr lang="es-AR" baseline="0" dirty="0" smtClean="0"/>
+          </a:p>
+          <a:p>
+            <a:r>
+              <a:rPr lang="es-AR" baseline="0" dirty="0" smtClean="0"/>
+              <a:t>Este proyecto tiene entonces la intención de brindar una funcionalidad que en ese momento me hubiese servido de mucho… Sacarle una foto al perro y que pueda determinar a que raza pertenece.</a:t>
+            </a:r>
+          </a:p>
+          <a:p>
+            <a:endParaRPr lang="es-AR" baseline="0" dirty="0" smtClean="0"/>
+          </a:p>
+          <a:p>
+            <a:r>
+              <a:rPr lang="es-AR" baseline="0" dirty="0" smtClean="0"/>
+              <a:t>En cuanto a la tecnología…. El proyecto se apoya en el uso de Redes Neuronales </a:t>
+            </a:r>
+            <a:r>
+              <a:rPr lang="es-AR" baseline="0" dirty="0" err="1" smtClean="0"/>
+              <a:t>Convolucionales</a:t>
+            </a:r>
+            <a:r>
+              <a:rPr lang="es-AR" baseline="0" dirty="0" smtClean="0"/>
+              <a:t> para predecir entre un total de 120 razas diferentes.</a:t>
+            </a:r>
+            <a:endParaRPr lang="en-US" dirty="0"/>
+          </a:p>
+        </p:txBody>
+      </p:sp>
+      <p:sp>
+        <p:nvSpPr>
+          <p:cNvPr id="4" name="Marcador de número de diapositiva 3"/>
+          <p:cNvSpPr>
+            <a:spLocks noGrp="1"/>
+          </p:cNvSpPr>
+          <p:nvPr>
+            <p:ph type="sldNum" sz="quarter" idx="10"/>
+          </p:nvPr>
+        </p:nvSpPr>
+        <p:spPr/>
+        <p:txBody>
+          <a:bodyPr/>
+          <a:lstStyle/>
+          <a:p>
+            <a:fld id="{94E50BC0-CB95-4498-B267-8D0E3F011EB8}" type="slidenum">
+              <a:rPr lang="en-US" smtClean="0"/>
+              <a:t>4</a:t>
+            </a:fld>
+            <a:endParaRPr lang="en-US"/>
+          </a:p>
+        </p:txBody>
+      </p:sp>
+    </p:spTree>
+    <p:extLst>
+      <p:ext uri="{BB962C8B-B14F-4D97-AF65-F5344CB8AC3E}">
+        <p14:creationId xmlns:p14="http://schemas.microsoft.com/office/powerpoint/2010/main" val="2920032653"/>
+      </p:ext>
+    </p:extLst>
+  </p:cSld>
+  <p:clrMapOvr>
+    <a:masterClrMapping/>
+  </p:clrMapOvr>
+</p:notes>
+</file>
+
+<file path=ppt/notesSlides/notesSlide5.xml><?xml version="1.0" encoding="utf-8"?>
+<p:notes xmlns:a="http://schemas.openxmlformats.org/drawingml/2006/main" xmlns:r="http://schemas.openxmlformats.org/officeDocument/2006/relationships" xmlns:p="http://schemas.openxmlformats.org/presentationml/2006/main">
+  <p:cSld>
+    <p:spTree>
+      <p:nvGrpSpPr>
+        <p:cNvPr id="1" name=""/>
+        <p:cNvGrpSpPr/>
+        <p:nvPr/>
+      </p:nvGrpSpPr>
+      <p:grpSpPr>
+        <a:xfrm>
+          <a:off x="0" y="0"/>
+          <a:ext cx="0" cy="0"/>
+          <a:chOff x="0" y="0"/>
+          <a:chExt cx="0" cy="0"/>
+        </a:xfrm>
+      </p:grpSpPr>
+      <p:sp>
+        <p:nvSpPr>
+          <p:cNvPr id="2" name="Marcador de imagen de diapositiva 1"/>
+          <p:cNvSpPr>
+            <a:spLocks noGrp="1" noRot="1" noChangeAspect="1"/>
+          </p:cNvSpPr>
+          <p:nvPr>
+            <p:ph type="sldImg"/>
+          </p:nvPr>
+        </p:nvSpPr>
+        <p:spPr/>
+      </p:sp>
+      <p:sp>
+        <p:nvSpPr>
+          <p:cNvPr id="3" name="Marcador de notas 2"/>
+          <p:cNvSpPr>
+            <a:spLocks noGrp="1"/>
+          </p:cNvSpPr>
+          <p:nvPr>
+            <p:ph type="body" idx="1"/>
+          </p:nvPr>
+        </p:nvSpPr>
+        <p:spPr/>
+        <p:txBody>
+          <a:bodyPr/>
+          <a:lstStyle/>
+          <a:p>
+            <a:r>
+              <a:rPr lang="es-AR" dirty="0" smtClean="0"/>
+              <a:t>Veamos un poco de qué se trata una red neuronal </a:t>
+            </a:r>
+            <a:r>
+              <a:rPr lang="es-AR" dirty="0" err="1" smtClean="0"/>
+              <a:t>convolucional</a:t>
+            </a:r>
+            <a:r>
+              <a:rPr lang="es-AR" dirty="0" smtClean="0"/>
+              <a:t>…</a:t>
+            </a:r>
+          </a:p>
+          <a:p>
+            <a:endParaRPr lang="es-ES" sz="1200" b="0" i="0" kern="1200" dirty="0" smtClean="0">
+              <a:solidFill>
+                <a:schemeClr val="tx1"/>
+              </a:solidFill>
+              <a:effectLst/>
+              <a:latin typeface="+mn-lt"/>
+              <a:ea typeface="+mn-ea"/>
+              <a:cs typeface="+mn-cs"/>
+            </a:endParaRPr>
+          </a:p>
+          <a:p>
+            <a:r>
+              <a:rPr lang="es-ES" sz="1200" b="0" i="0" kern="1200" dirty="0" smtClean="0">
+                <a:solidFill>
+                  <a:schemeClr val="tx1"/>
+                </a:solidFill>
+                <a:effectLst/>
+                <a:latin typeface="+mn-lt"/>
+                <a:ea typeface="+mn-ea"/>
+                <a:cs typeface="+mn-cs"/>
+              </a:rPr>
+              <a:t>es un tipo de Red Neuronal Artificial con aprendizaje supervisado que lo que hace es procesar sus capas intentando imitar al </a:t>
+            </a:r>
+            <a:r>
+              <a:rPr lang="es-ES" sz="1200" b="0" i="0" kern="1200" dirty="0" err="1" smtClean="0">
+                <a:solidFill>
+                  <a:schemeClr val="tx1"/>
+                </a:solidFill>
+                <a:effectLst/>
+                <a:latin typeface="+mn-lt"/>
+                <a:ea typeface="+mn-ea"/>
+                <a:cs typeface="+mn-cs"/>
+              </a:rPr>
+              <a:t>cortex</a:t>
+            </a:r>
+            <a:r>
+              <a:rPr lang="es-ES" sz="1200" b="0" i="0" kern="1200" dirty="0" smtClean="0">
+                <a:solidFill>
+                  <a:schemeClr val="tx1"/>
+                </a:solidFill>
+                <a:effectLst/>
+                <a:latin typeface="+mn-lt"/>
+                <a:ea typeface="+mn-ea"/>
+                <a:cs typeface="+mn-cs"/>
+              </a:rPr>
+              <a:t> visual del ojo humano para identificar distintas características en las entradas. Para ello, la Red Neuronal </a:t>
+            </a:r>
+            <a:r>
+              <a:rPr lang="es-ES" sz="1200" b="0" i="0" kern="1200" dirty="0" err="1" smtClean="0">
+                <a:solidFill>
+                  <a:schemeClr val="tx1"/>
+                </a:solidFill>
+                <a:effectLst/>
+                <a:latin typeface="+mn-lt"/>
+                <a:ea typeface="+mn-ea"/>
+                <a:cs typeface="+mn-cs"/>
+              </a:rPr>
+              <a:t>Convolucional</a:t>
+            </a:r>
+            <a:r>
+              <a:rPr lang="es-ES" sz="1200" b="0" i="0" kern="1200" baseline="0" dirty="0" smtClean="0">
+                <a:solidFill>
+                  <a:schemeClr val="tx1"/>
+                </a:solidFill>
+                <a:effectLst/>
+                <a:latin typeface="+mn-lt"/>
+                <a:ea typeface="+mn-ea"/>
+                <a:cs typeface="+mn-cs"/>
+              </a:rPr>
+              <a:t> </a:t>
+            </a:r>
+            <a:r>
+              <a:rPr lang="es-ES" sz="1200" b="0" i="0" kern="1200" dirty="0" smtClean="0">
+                <a:solidFill>
+                  <a:schemeClr val="tx1"/>
+                </a:solidFill>
+                <a:effectLst/>
+                <a:latin typeface="+mn-lt"/>
+                <a:ea typeface="+mn-ea"/>
+                <a:cs typeface="+mn-cs"/>
+              </a:rPr>
+              <a:t>contiene varias capas ocultas especializadas y</a:t>
+            </a:r>
+            <a:r>
+              <a:rPr lang="es-ES" sz="1200" b="0" i="0" kern="1200" baseline="0" dirty="0" smtClean="0">
+                <a:solidFill>
+                  <a:schemeClr val="tx1"/>
+                </a:solidFill>
+                <a:effectLst/>
+                <a:latin typeface="+mn-lt"/>
+                <a:ea typeface="+mn-ea"/>
+                <a:cs typeface="+mn-cs"/>
+              </a:rPr>
+              <a:t> con distintas jerarquías… donde las primeras capas detectan básicamente líneas, y a medida que avanza se van especializando hasta llegar a capas mas profundas que reconocen formas mas complejas.</a:t>
+            </a:r>
+          </a:p>
+          <a:p>
+            <a:endParaRPr lang="es-ES" sz="1200" b="0" i="0" kern="1200" baseline="0" dirty="0" smtClean="0">
+              <a:solidFill>
+                <a:schemeClr val="tx1"/>
+              </a:solidFill>
+              <a:effectLst/>
+              <a:latin typeface="+mn-lt"/>
+              <a:ea typeface="+mn-ea"/>
+              <a:cs typeface="+mn-cs"/>
+            </a:endParaRPr>
+          </a:p>
+          <a:p>
+            <a:r>
+              <a:rPr lang="es-AR" dirty="0" smtClean="0"/>
+              <a:t>La</a:t>
+            </a:r>
+            <a:r>
+              <a:rPr lang="es-AR" baseline="0" dirty="0" smtClean="0"/>
+              <a:t> pregunta es cómo aprende la Red Neuronal </a:t>
+            </a:r>
+            <a:r>
+              <a:rPr lang="es-AR" baseline="0" dirty="0" err="1" smtClean="0"/>
+              <a:t>Convolucional</a:t>
+            </a:r>
+            <a:r>
+              <a:rPr lang="es-AR" baseline="0" dirty="0" smtClean="0"/>
+              <a:t>………… Lo hace de manera similar a como lo hacen las redes neuronales tradicionales, donde </a:t>
+            </a:r>
+            <a:r>
+              <a:rPr lang="es-AR" baseline="0" dirty="0" err="1" smtClean="0"/>
+              <a:t>mediente</a:t>
+            </a:r>
+            <a:r>
+              <a:rPr lang="es-AR" baseline="0" dirty="0" smtClean="0"/>
+              <a:t> el BACKPROPAGATION van ajustando los pesos de las interconexiones entre cada capa……. Pero a diferencia de las redes tradicionales, las Redes Neuronales </a:t>
+            </a:r>
+            <a:r>
+              <a:rPr lang="es-AR" baseline="0" dirty="0" err="1" smtClean="0"/>
+              <a:t>Convolucionales</a:t>
+            </a:r>
+            <a:r>
+              <a:rPr lang="es-AR" baseline="0" dirty="0" smtClean="0"/>
+              <a:t> ajustan el valor de los pesos en los distintos KERNELS, que son de tamaño reducido, haciendo que el número de pesos que debe ajustar entre cada capa sea muchísimo menor. </a:t>
+            </a:r>
+            <a:endParaRPr lang="es-AR" dirty="0" smtClean="0"/>
+          </a:p>
+          <a:p>
+            <a:endParaRPr lang="en-US" dirty="0"/>
+          </a:p>
+        </p:txBody>
+      </p:sp>
+      <p:sp>
+        <p:nvSpPr>
+          <p:cNvPr id="4" name="Marcador de número de diapositiva 3"/>
+          <p:cNvSpPr>
+            <a:spLocks noGrp="1"/>
+          </p:cNvSpPr>
+          <p:nvPr>
+            <p:ph type="sldNum" sz="quarter" idx="10"/>
+          </p:nvPr>
+        </p:nvSpPr>
+        <p:spPr/>
+        <p:txBody>
+          <a:bodyPr/>
+          <a:lstStyle/>
+          <a:p>
+            <a:fld id="{94E50BC0-CB95-4498-B267-8D0E3F011EB8}" type="slidenum">
+              <a:rPr lang="en-US" smtClean="0"/>
+              <a:t>5</a:t>
+            </a:fld>
+            <a:endParaRPr lang="en-US"/>
+          </a:p>
+        </p:txBody>
+      </p:sp>
+    </p:spTree>
+    <p:extLst>
+      <p:ext uri="{BB962C8B-B14F-4D97-AF65-F5344CB8AC3E}">
+        <p14:creationId xmlns:p14="http://schemas.microsoft.com/office/powerpoint/2010/main" val="4039214322"/>
+      </p:ext>
+    </p:extLst>
+  </p:cSld>
+  <p:clrMapOvr>
+    <a:masterClrMapping/>
+  </p:clrMapOvr>
+</p:notes>
+</file>
+
+<file path=ppt/notesSlides/notesSlide6.xml><?xml version="1.0" encoding="utf-8"?>
+<p:notes xmlns:a="http://schemas.openxmlformats.org/drawingml/2006/main" xmlns:r="http://schemas.openxmlformats.org/officeDocument/2006/relationships" xmlns:p="http://schemas.openxmlformats.org/presentationml/2006/main">
+  <p:cSld>
+    <p:spTree>
+      <p:nvGrpSpPr>
+        <p:cNvPr id="1" name=""/>
+        <p:cNvGrpSpPr/>
+        <p:nvPr/>
+      </p:nvGrpSpPr>
+      <p:grpSpPr>
+        <a:xfrm>
+          <a:off x="0" y="0"/>
+          <a:ext cx="0" cy="0"/>
+          <a:chOff x="0" y="0"/>
+          <a:chExt cx="0" cy="0"/>
+        </a:xfrm>
+      </p:grpSpPr>
+      <p:sp>
+        <p:nvSpPr>
+          <p:cNvPr id="2" name="Marcador de imagen de diapositiva 1"/>
+          <p:cNvSpPr>
+            <a:spLocks noGrp="1" noRot="1" noChangeAspect="1"/>
+          </p:cNvSpPr>
+          <p:nvPr>
+            <p:ph type="sldImg"/>
+          </p:nvPr>
+        </p:nvSpPr>
+        <p:spPr/>
+      </p:sp>
+      <p:sp>
+        <p:nvSpPr>
+          <p:cNvPr id="3" name="Marcador de notas 2"/>
+          <p:cNvSpPr>
+            <a:spLocks noGrp="1"/>
+          </p:cNvSpPr>
+          <p:nvPr>
+            <p:ph type="body" idx="1"/>
+          </p:nvPr>
+        </p:nvSpPr>
+        <p:spPr/>
+        <p:txBody>
+          <a:bodyPr/>
+          <a:lstStyle/>
+          <a:p>
+            <a:r>
+              <a:rPr lang="es-AR" dirty="0" smtClean="0"/>
+              <a:t>Veamos un poco alguna de las capas</a:t>
+            </a:r>
+            <a:r>
+              <a:rPr lang="es-AR" baseline="0" dirty="0" smtClean="0"/>
+              <a:t> utilizadas en la Red Neuronal </a:t>
+            </a:r>
+            <a:r>
+              <a:rPr lang="es-AR" baseline="0" dirty="0" err="1" smtClean="0"/>
+              <a:t>Convolucional</a:t>
+            </a:r>
+            <a:endParaRPr lang="en-US" dirty="0"/>
+          </a:p>
+        </p:txBody>
+      </p:sp>
+      <p:sp>
+        <p:nvSpPr>
+          <p:cNvPr id="4" name="Marcador de número de diapositiva 3"/>
+          <p:cNvSpPr>
+            <a:spLocks noGrp="1"/>
+          </p:cNvSpPr>
+          <p:nvPr>
+            <p:ph type="sldNum" sz="quarter" idx="10"/>
+          </p:nvPr>
+        </p:nvSpPr>
+        <p:spPr/>
+        <p:txBody>
+          <a:bodyPr/>
+          <a:lstStyle/>
+          <a:p>
+            <a:fld id="{94E50BC0-CB95-4498-B267-8D0E3F011EB8}" type="slidenum">
+              <a:rPr lang="en-US" smtClean="0"/>
+              <a:t>6</a:t>
+            </a:fld>
+            <a:endParaRPr lang="en-US"/>
+          </a:p>
+        </p:txBody>
+      </p:sp>
+    </p:spTree>
+    <p:extLst>
+      <p:ext uri="{BB962C8B-B14F-4D97-AF65-F5344CB8AC3E}">
+        <p14:creationId xmlns:p14="http://schemas.microsoft.com/office/powerpoint/2010/main" val="3664225637"/>
+      </p:ext>
+    </p:extLst>
+  </p:cSld>
+  <p:clrMapOvr>
+    <a:masterClrMapping/>
+  </p:clrMapOvr>
+</p:notes>
+</file>
+
+<file path=ppt/notesSlides/notesSlide7.xml><?xml version="1.0" encoding="utf-8"?>
+<p:notes xmlns:a="http://schemas.openxmlformats.org/drawingml/2006/main" xmlns:r="http://schemas.openxmlformats.org/officeDocument/2006/relationships" xmlns:p="http://schemas.openxmlformats.org/presentationml/2006/main">
+  <p:cSld>
+    <p:spTree>
+      <p:nvGrpSpPr>
+        <p:cNvPr id="1" name=""/>
+        <p:cNvGrpSpPr/>
+        <p:nvPr/>
+      </p:nvGrpSpPr>
+      <p:grpSpPr>
+        <a:xfrm>
+          <a:off x="0" y="0"/>
+          <a:ext cx="0" cy="0"/>
+          <a:chOff x="0" y="0"/>
+          <a:chExt cx="0" cy="0"/>
+        </a:xfrm>
+      </p:grpSpPr>
+      <p:sp>
+        <p:nvSpPr>
+          <p:cNvPr id="2" name="Marcador de imagen de diapositiva 1"/>
+          <p:cNvSpPr>
+            <a:spLocks noGrp="1" noRot="1" noChangeAspect="1"/>
+          </p:cNvSpPr>
+          <p:nvPr>
+            <p:ph type="sldImg"/>
+          </p:nvPr>
+        </p:nvSpPr>
+        <p:spPr/>
+      </p:sp>
+      <p:sp>
+        <p:nvSpPr>
+          <p:cNvPr id="3" name="Marcador de notas 2"/>
+          <p:cNvSpPr>
+            <a:spLocks noGrp="1"/>
+          </p:cNvSpPr>
+          <p:nvPr>
+            <p:ph type="body" idx="1"/>
+          </p:nvPr>
+        </p:nvSpPr>
+        <p:spPr/>
+        <p:txBody>
+          <a:bodyPr/>
+          <a:lstStyle/>
+          <a:p>
+            <a:r>
+              <a:rPr lang="es-AR" dirty="0" smtClean="0"/>
+              <a:t>En la capa de </a:t>
+            </a:r>
+            <a:r>
+              <a:rPr lang="es-AR" dirty="0" err="1" smtClean="0"/>
+              <a:t>convolucion</a:t>
+            </a:r>
+            <a:r>
+              <a:rPr lang="es-AR" dirty="0" smtClean="0"/>
+              <a:t> lo que se hace es </a:t>
+            </a:r>
+            <a:r>
+              <a:rPr lang="es-ES" sz="1200" b="0" i="0" kern="1200" dirty="0" smtClean="0">
+                <a:solidFill>
+                  <a:schemeClr val="tx1"/>
+                </a:solidFill>
+                <a:effectLst/>
+                <a:latin typeface="+mn-lt"/>
+                <a:ea typeface="+mn-ea"/>
+                <a:cs typeface="+mn-cs"/>
+              </a:rPr>
+              <a:t>agarrar</a:t>
+            </a:r>
+            <a:r>
+              <a:rPr lang="es-ES" sz="1200" b="0" i="0" kern="1200" baseline="0" dirty="0" smtClean="0">
+                <a:solidFill>
+                  <a:schemeClr val="tx1"/>
+                </a:solidFill>
+                <a:effectLst/>
+                <a:latin typeface="+mn-lt"/>
+                <a:ea typeface="+mn-ea"/>
+                <a:cs typeface="+mn-cs"/>
+              </a:rPr>
+              <a:t> </a:t>
+            </a:r>
+            <a:r>
+              <a:rPr lang="es-ES" sz="1200" b="0" i="0" kern="1200" dirty="0" smtClean="0">
+                <a:solidFill>
+                  <a:schemeClr val="tx1"/>
+                </a:solidFill>
+                <a:effectLst/>
+                <a:latin typeface="+mn-lt"/>
+                <a:ea typeface="+mn-ea"/>
+                <a:cs typeface="+mn-cs"/>
+              </a:rPr>
+              <a:t>un grupo de píxeles de la imagen de entrada e ir realizando un producto escalar con un </a:t>
+            </a:r>
+            <a:r>
+              <a:rPr lang="es-ES" sz="1200" b="0" i="0" kern="1200" dirty="0" err="1" smtClean="0">
+                <a:solidFill>
+                  <a:schemeClr val="tx1"/>
+                </a:solidFill>
+                <a:effectLst/>
+                <a:latin typeface="+mn-lt"/>
+                <a:ea typeface="+mn-ea"/>
+                <a:cs typeface="+mn-cs"/>
+              </a:rPr>
+              <a:t>kernel</a:t>
+            </a:r>
+            <a:r>
+              <a:rPr lang="es-ES" sz="1200" b="0" i="0" kern="1200" dirty="0" smtClean="0">
+                <a:solidFill>
+                  <a:schemeClr val="tx1"/>
+                </a:solidFill>
+                <a:effectLst/>
+                <a:latin typeface="+mn-lt"/>
+                <a:ea typeface="+mn-ea"/>
+                <a:cs typeface="+mn-cs"/>
+              </a:rPr>
+              <a:t> o filtro. El </a:t>
+            </a:r>
+            <a:r>
+              <a:rPr lang="es-ES" sz="1200" b="0" i="0" kern="1200" dirty="0" err="1" smtClean="0">
+                <a:solidFill>
+                  <a:schemeClr val="tx1"/>
+                </a:solidFill>
+                <a:effectLst/>
+                <a:latin typeface="+mn-lt"/>
+                <a:ea typeface="+mn-ea"/>
+                <a:cs typeface="+mn-cs"/>
+              </a:rPr>
+              <a:t>kernel</a:t>
+            </a:r>
+            <a:r>
+              <a:rPr lang="es-ES" sz="1200" b="0" i="0" kern="1200" baseline="0" dirty="0" smtClean="0">
+                <a:solidFill>
+                  <a:schemeClr val="tx1"/>
+                </a:solidFill>
+                <a:effectLst/>
+                <a:latin typeface="+mn-lt"/>
+                <a:ea typeface="+mn-ea"/>
+                <a:cs typeface="+mn-cs"/>
+              </a:rPr>
+              <a:t> recorre toda la entrada y da como resultado una nueva matriz.</a:t>
+            </a:r>
+            <a:endParaRPr lang="en-US" dirty="0"/>
+          </a:p>
+        </p:txBody>
+      </p:sp>
+      <p:sp>
+        <p:nvSpPr>
+          <p:cNvPr id="4" name="Marcador de número de diapositiva 3"/>
+          <p:cNvSpPr>
+            <a:spLocks noGrp="1"/>
+          </p:cNvSpPr>
+          <p:nvPr>
+            <p:ph type="sldNum" sz="quarter" idx="10"/>
+          </p:nvPr>
+        </p:nvSpPr>
+        <p:spPr/>
+        <p:txBody>
+          <a:bodyPr/>
+          <a:lstStyle/>
+          <a:p>
+            <a:fld id="{94E50BC0-CB95-4498-B267-8D0E3F011EB8}" type="slidenum">
+              <a:rPr lang="en-US" smtClean="0"/>
+              <a:t>7</a:t>
+            </a:fld>
+            <a:endParaRPr lang="en-US"/>
+          </a:p>
+        </p:txBody>
+      </p:sp>
+    </p:spTree>
+    <p:extLst>
+      <p:ext uri="{BB962C8B-B14F-4D97-AF65-F5344CB8AC3E}">
+        <p14:creationId xmlns:p14="http://schemas.microsoft.com/office/powerpoint/2010/main" val="3917252683"/>
+      </p:ext>
+    </p:extLst>
+  </p:cSld>
+  <p:clrMapOvr>
+    <a:masterClrMapping/>
+  </p:clrMapOvr>
+</p:notes>
+</file>
+
+<file path=ppt/notesSlides/notesSlide8.xml><?xml version="1.0" encoding="utf-8"?>
+<p:notes xmlns:a="http://schemas.openxmlformats.org/drawingml/2006/main" xmlns:r="http://schemas.openxmlformats.org/officeDocument/2006/relationships" xmlns:p="http://schemas.openxmlformats.org/presentationml/2006/main">
+  <p:cSld>
+    <p:spTree>
+      <p:nvGrpSpPr>
+        <p:cNvPr id="1" name=""/>
+        <p:cNvGrpSpPr/>
+        <p:nvPr/>
+      </p:nvGrpSpPr>
+      <p:grpSpPr>
+        <a:xfrm>
+          <a:off x="0" y="0"/>
+          <a:ext cx="0" cy="0"/>
+          <a:chOff x="0" y="0"/>
+          <a:chExt cx="0" cy="0"/>
+        </a:xfrm>
+      </p:grpSpPr>
+      <p:sp>
+        <p:nvSpPr>
+          <p:cNvPr id="2" name="Marcador de imagen de diapositiva 1"/>
+          <p:cNvSpPr>
+            <a:spLocks noGrp="1" noRot="1" noChangeAspect="1"/>
+          </p:cNvSpPr>
+          <p:nvPr>
+            <p:ph type="sldImg"/>
+          </p:nvPr>
+        </p:nvSpPr>
+        <p:spPr/>
+      </p:sp>
+      <p:sp>
+        <p:nvSpPr>
+          <p:cNvPr id="3" name="Marcador de notas 2"/>
+          <p:cNvSpPr>
+            <a:spLocks noGrp="1"/>
+          </p:cNvSpPr>
+          <p:nvPr>
+            <p:ph type="body" idx="1"/>
+          </p:nvPr>
+        </p:nvSpPr>
+        <p:spPr/>
+        <p:txBody>
+          <a:bodyPr/>
+          <a:lstStyle/>
+          <a:p>
+            <a:r>
+              <a:rPr lang="es-AR" dirty="0" smtClean="0"/>
+              <a:t>La</a:t>
+            </a:r>
+            <a:r>
+              <a:rPr lang="es-AR" baseline="0" dirty="0" smtClean="0"/>
+              <a:t> capa de </a:t>
+            </a:r>
+            <a:r>
+              <a:rPr lang="es-AR" baseline="0" dirty="0" err="1" smtClean="0"/>
+              <a:t>Maxpooling</a:t>
+            </a:r>
+            <a:r>
+              <a:rPr lang="es-AR" baseline="0" dirty="0" smtClean="0"/>
+              <a:t> se encarga básicamente de reducir el numero de neuronas.... Lo hace encontrando el valor máximo entre una ventana de muestra, y pasa ese valor como un resumen de características sobre ese área… buscando siempre que se mantengan las características mas importantes que detecto en cada ventana.</a:t>
+            </a:r>
+            <a:endParaRPr lang="en-US" dirty="0"/>
+          </a:p>
+        </p:txBody>
+      </p:sp>
+      <p:sp>
+        <p:nvSpPr>
+          <p:cNvPr id="4" name="Marcador de número de diapositiva 3"/>
+          <p:cNvSpPr>
+            <a:spLocks noGrp="1"/>
+          </p:cNvSpPr>
+          <p:nvPr>
+            <p:ph type="sldNum" sz="quarter" idx="10"/>
+          </p:nvPr>
+        </p:nvSpPr>
+        <p:spPr/>
+        <p:txBody>
+          <a:bodyPr/>
+          <a:lstStyle/>
+          <a:p>
+            <a:fld id="{94E50BC0-CB95-4498-B267-8D0E3F011EB8}" type="slidenum">
+              <a:rPr lang="en-US" smtClean="0"/>
+              <a:t>8</a:t>
+            </a:fld>
+            <a:endParaRPr lang="en-US"/>
+          </a:p>
+        </p:txBody>
+      </p:sp>
+    </p:spTree>
+    <p:extLst>
+      <p:ext uri="{BB962C8B-B14F-4D97-AF65-F5344CB8AC3E}">
+        <p14:creationId xmlns:p14="http://schemas.microsoft.com/office/powerpoint/2010/main" val="3582857294"/>
+      </p:ext>
+    </p:extLst>
+  </p:cSld>
+  <p:clrMapOvr>
+    <a:masterClrMapping/>
+  </p:clrMapOvr>
+</p:notes>
+</file>
+
+<file path=ppt/notesSlides/notesSlide9.xml><?xml version="1.0" encoding="utf-8"?>
+<p:notes xmlns:a="http://schemas.openxmlformats.org/drawingml/2006/main" xmlns:r="http://schemas.openxmlformats.org/officeDocument/2006/relationships" xmlns:p="http://schemas.openxmlformats.org/presentationml/2006/main">
+  <p:cSld>
+    <p:spTree>
+      <p:nvGrpSpPr>
+        <p:cNvPr id="1" name=""/>
+        <p:cNvGrpSpPr/>
+        <p:nvPr/>
+      </p:nvGrpSpPr>
+      <p:grpSpPr>
+        <a:xfrm>
+          <a:off x="0" y="0"/>
+          <a:ext cx="0" cy="0"/>
+          <a:chOff x="0" y="0"/>
+          <a:chExt cx="0" cy="0"/>
+        </a:xfrm>
+      </p:grpSpPr>
+      <p:sp>
+        <p:nvSpPr>
+          <p:cNvPr id="2" name="Marcador de imagen de diapositiva 1"/>
+          <p:cNvSpPr>
+            <a:spLocks noGrp="1" noRot="1" noChangeAspect="1"/>
+          </p:cNvSpPr>
+          <p:nvPr>
+            <p:ph type="sldImg"/>
+          </p:nvPr>
+        </p:nvSpPr>
+        <p:spPr/>
+      </p:sp>
+      <p:sp>
+        <p:nvSpPr>
+          <p:cNvPr id="3" name="Marcador de notas 2"/>
+          <p:cNvSpPr>
+            <a:spLocks noGrp="1"/>
+          </p:cNvSpPr>
+          <p:nvPr>
+            <p:ph type="body" idx="1"/>
+          </p:nvPr>
+        </p:nvSpPr>
+        <p:spPr/>
+        <p:txBody>
+          <a:bodyPr/>
+          <a:lstStyle/>
+          <a:p>
+            <a:r>
+              <a:rPr lang="es-AR" dirty="0" smtClean="0"/>
+              <a:t>La capa</a:t>
+            </a:r>
+            <a:r>
+              <a:rPr lang="es-AR" baseline="0" dirty="0" smtClean="0"/>
+              <a:t> de </a:t>
+            </a:r>
+            <a:r>
+              <a:rPr lang="es-AR" baseline="0" dirty="0" err="1" smtClean="0"/>
+              <a:t>Dropout</a:t>
+            </a:r>
+            <a:r>
+              <a:rPr lang="es-AR" baseline="0" dirty="0" smtClean="0"/>
+              <a:t> busca principalmente una reducción del </a:t>
+            </a:r>
+            <a:r>
+              <a:rPr lang="es-AR" baseline="0" dirty="0" err="1" smtClean="0"/>
+              <a:t>overffiting</a:t>
+            </a:r>
+            <a:r>
+              <a:rPr lang="es-AR" baseline="0" dirty="0" smtClean="0"/>
+              <a:t>. Consiste en apagar aleatoria y temporalmente un determinado numero de neuronas de las capas ocultas…. En cada iteración de la red neuronal va a desactivar neuronas diferentes…. Esto hace que las neuronas cercanas no dependan tanto de la neurona apagada, obligándola a trabajar de mejor manera en solitario e intentando evitar que aprenda patrones irrelevantes.</a:t>
+            </a:r>
+            <a:endParaRPr lang="en-US" dirty="0"/>
+          </a:p>
+        </p:txBody>
+      </p:sp>
+      <p:sp>
+        <p:nvSpPr>
+          <p:cNvPr id="4" name="Marcador de número de diapositiva 3"/>
+          <p:cNvSpPr>
+            <a:spLocks noGrp="1"/>
+          </p:cNvSpPr>
+          <p:nvPr>
+            <p:ph type="sldNum" sz="quarter" idx="10"/>
+          </p:nvPr>
+        </p:nvSpPr>
+        <p:spPr/>
+        <p:txBody>
+          <a:bodyPr/>
+          <a:lstStyle/>
+          <a:p>
+            <a:fld id="{94E50BC0-CB95-4498-B267-8D0E3F011EB8}" type="slidenum">
+              <a:rPr lang="en-US" smtClean="0"/>
+              <a:t>9</a:t>
+            </a:fld>
+            <a:endParaRPr lang="en-US"/>
+          </a:p>
+        </p:txBody>
+      </p:sp>
+    </p:spTree>
+    <p:extLst>
+      <p:ext uri="{BB962C8B-B14F-4D97-AF65-F5344CB8AC3E}">
+        <p14:creationId xmlns:p14="http://schemas.microsoft.com/office/powerpoint/2010/main" val="72234780"/>
+      </p:ext>
+    </p:extLst>
+  </p:cSld>
+  <p:clrMapOvr>
+    <a:masterClrMapping/>
+  </p:clrMapOvr>
+</p:notes>
 </file>
 
 <file path=ppt/slideLayouts/slideLayout1.xml><?xml version="1.0" encoding="utf-8"?>
@@ -256,7 +2465,7 @@
           <a:p>
             <a:fld id="{100FF505-5664-4ADE-BEE9-A3DAF87C9901}" type="datetimeFigureOut">
               <a:rPr lang="en-US" smtClean="0"/>
-              <a:t>7/11/2021</a:t>
+              <a:t>7/12/2021</a:t>
             </a:fld>
             <a:endParaRPr lang="en-US"/>
           </a:p>
@@ -426,7 +2635,7 @@
           <a:p>
             <a:fld id="{100FF505-5664-4ADE-BEE9-A3DAF87C9901}" type="datetimeFigureOut">
               <a:rPr lang="en-US" smtClean="0"/>
-              <a:t>7/11/2021</a:t>
+              <a:t>7/12/2021</a:t>
             </a:fld>
             <a:endParaRPr lang="en-US"/>
           </a:p>
@@ -606,7 +2815,7 @@
           <a:p>
             <a:fld id="{100FF505-5664-4ADE-BEE9-A3DAF87C9901}" type="datetimeFigureOut">
               <a:rPr lang="en-US" smtClean="0"/>
-              <a:t>7/11/2021</a:t>
+              <a:t>7/12/2021</a:t>
             </a:fld>
             <a:endParaRPr lang="en-US"/>
           </a:p>
@@ -776,7 +2985,7 @@
           <a:p>
             <a:fld id="{100FF505-5664-4ADE-BEE9-A3DAF87C9901}" type="datetimeFigureOut">
               <a:rPr lang="en-US" smtClean="0"/>
-              <a:t>7/11/2021</a:t>
+              <a:t>7/12/2021</a:t>
             </a:fld>
             <a:endParaRPr lang="en-US"/>
           </a:p>
@@ -1022,7 +3231,7 @@
           <a:p>
             <a:fld id="{100FF505-5664-4ADE-BEE9-A3DAF87C9901}" type="datetimeFigureOut">
               <a:rPr lang="en-US" smtClean="0"/>
-              <a:t>7/11/2021</a:t>
+              <a:t>7/12/2021</a:t>
             </a:fld>
             <a:endParaRPr lang="en-US"/>
           </a:p>
@@ -1254,7 +3463,7 @@
           <a:p>
             <a:fld id="{100FF505-5664-4ADE-BEE9-A3DAF87C9901}" type="datetimeFigureOut">
               <a:rPr lang="en-US" smtClean="0"/>
-              <a:t>7/11/2021</a:t>
+              <a:t>7/12/2021</a:t>
             </a:fld>
             <a:endParaRPr lang="en-US"/>
           </a:p>
@@ -1621,7 +3830,7 @@
           <a:p>
             <a:fld id="{100FF505-5664-4ADE-BEE9-A3DAF87C9901}" type="datetimeFigureOut">
               <a:rPr lang="en-US" smtClean="0"/>
-              <a:t>7/11/2021</a:t>
+              <a:t>7/12/2021</a:t>
             </a:fld>
             <a:endParaRPr lang="en-US"/>
           </a:p>
@@ -1739,7 +3948,7 @@
           <a:p>
             <a:fld id="{100FF505-5664-4ADE-BEE9-A3DAF87C9901}" type="datetimeFigureOut">
               <a:rPr lang="en-US" smtClean="0"/>
-              <a:t>7/11/2021</a:t>
+              <a:t>7/12/2021</a:t>
             </a:fld>
             <a:endParaRPr lang="en-US"/>
           </a:p>
@@ -1834,7 +4043,7 @@
           <a:p>
             <a:fld id="{100FF505-5664-4ADE-BEE9-A3DAF87C9901}" type="datetimeFigureOut">
               <a:rPr lang="en-US" smtClean="0"/>
-              <a:t>7/11/2021</a:t>
+              <a:t>7/12/2021</a:t>
             </a:fld>
             <a:endParaRPr lang="en-US"/>
           </a:p>
@@ -2111,7 +4320,7 @@
           <a:p>
             <a:fld id="{100FF505-5664-4ADE-BEE9-A3DAF87C9901}" type="datetimeFigureOut">
               <a:rPr lang="en-US" smtClean="0"/>
-              <a:t>7/11/2021</a:t>
+              <a:t>7/12/2021</a:t>
             </a:fld>
             <a:endParaRPr lang="en-US"/>
           </a:p>
@@ -2364,7 +4573,7 @@
           <a:p>
             <a:fld id="{100FF505-5664-4ADE-BEE9-A3DAF87C9901}" type="datetimeFigureOut">
               <a:rPr lang="en-US" smtClean="0"/>
-              <a:t>7/11/2021</a:t>
+              <a:t>7/12/2021</a:t>
             </a:fld>
             <a:endParaRPr lang="en-US"/>
           </a:p>
@@ -2577,7 +4786,7 @@
           <a:p>
             <a:fld id="{100FF505-5664-4ADE-BEE9-A3DAF87C9901}" type="datetimeFigureOut">
               <a:rPr lang="en-US" smtClean="0"/>
-              <a:t>7/11/2021</a:t>
+              <a:t>7/12/2021</a:t>
             </a:fld>
             <a:endParaRPr lang="en-US"/>
           </a:p>
@@ -2991,7 +5200,7 @@
           <p:nvPr/>
         </p:nvPicPr>
         <p:blipFill>
-          <a:blip r:embed="rId2" cstate="print">
+          <a:blip r:embed="rId3" cstate="print">
             <a:extLst>
               <a:ext uri="{28A0092B-C50C-407E-A947-70E740481C1C}">
                 <a14:useLocalDpi xmlns:a14="http://schemas.microsoft.com/office/drawing/2010/main" val="0"/>
@@ -3300,7 +5509,7 @@
             <a:avLst/>
           </a:prstGeom>
           <a:blipFill dpi="0" rotWithShape="1">
-            <a:blip r:embed="rId2">
+            <a:blip r:embed="rId3">
               <a:alphaModFix amt="27000"/>
             </a:blip>
             <a:srcRect/>
@@ -3437,7 +5646,7 @@
           <p:nvPr/>
         </p:nvPicPr>
         <p:blipFill>
-          <a:blip r:embed="rId2">
+          <a:blip r:embed="rId3">
             <a:extLst>
               <a:ext uri="{28A0092B-C50C-407E-A947-70E740481C1C}">
                 <a14:useLocalDpi xmlns:a14="http://schemas.microsoft.com/office/drawing/2010/main" val="0"/>
@@ -3467,7 +5676,7 @@
           <p:nvPr/>
         </p:nvPicPr>
         <p:blipFill>
-          <a:blip r:embed="rId3">
+          <a:blip r:embed="rId4">
             <a:extLst>
               <a:ext uri="{28A0092B-C50C-407E-A947-70E740481C1C}">
                 <a14:useLocalDpi xmlns:a14="http://schemas.microsoft.com/office/drawing/2010/main" val="0"/>
@@ -3526,13 +5735,7 @@
               <a:rPr lang="es-AR" sz="3200" dirty="0" smtClean="0">
                 <a:latin typeface="Candara" panose="020E0502030303020204" pitchFamily="34" charset="0"/>
               </a:rPr>
-              <a:t> = ( 880 , 495 , 3 )</a:t>
-            </a:r>
-            <a:r>
-              <a:rPr lang="es-AR" sz="3200" dirty="0" smtClean="0">
-                <a:latin typeface="Candara" panose="020E0502030303020204" pitchFamily="34" charset="0"/>
-              </a:rPr>
-              <a:t>                </a:t>
+              <a:t> = ( 880 , 495 , 3 )                </a:t>
             </a:r>
             <a:r>
               <a:rPr lang="es-AR" sz="3200" dirty="0" err="1" smtClean="0">
@@ -3750,7 +5953,7 @@
           <p:nvPr/>
         </p:nvPicPr>
         <p:blipFill>
-          <a:blip r:embed="rId2">
+          <a:blip r:embed="rId3">
             <a:extLst>
               <a:ext uri="{28A0092B-C50C-407E-A947-70E740481C1C}">
                 <a14:useLocalDpi xmlns:a14="http://schemas.microsoft.com/office/drawing/2010/main" val="0"/>
@@ -4072,6 +6275,13 @@
   <p:clrMapOvr>
     <a:masterClrMapping/>
   </p:clrMapOvr>
+  <p:timing>
+    <p:tnLst>
+      <p:par>
+        <p:cTn id="1" dur="indefinite" restart="never" nodeType="tmRoot"/>
+      </p:par>
+    </p:tnLst>
+  </p:timing>
 </p:sld>
 </file>
 
@@ -5062,7 +7272,7 @@
             <a:avLst/>
           </a:prstGeom>
           <a:blipFill dpi="0" rotWithShape="1">
-            <a:blip r:embed="rId2">
+            <a:blip r:embed="rId3">
               <a:alphaModFix amt="27000"/>
             </a:blip>
             <a:srcRect/>
@@ -5347,7 +7557,7 @@
           <p:nvPr/>
         </p:nvPicPr>
         <p:blipFill>
-          <a:blip r:embed="rId2">
+          <a:blip r:embed="rId3">
             <a:extLst>
               <a:ext uri="{28A0092B-C50C-407E-A947-70E740481C1C}">
                 <a14:useLocalDpi xmlns:a14="http://schemas.microsoft.com/office/drawing/2010/main" val="0"/>
@@ -5416,7 +7626,7 @@
             <a:r>
               <a:rPr lang="es-AR" sz="2800" dirty="0" smtClean="0">
                 <a:latin typeface="Candara" panose="020E0502030303020204" pitchFamily="34" charset="0"/>
-                <a:hlinkClick r:id="rId3"/>
+                <a:hlinkClick r:id="rId4"/>
               </a:rPr>
               <a:t>leonardo.frazzetto1990@gmail.com</a:t>
             </a:r>
@@ -5633,7 +7843,7 @@
             <a:avLst/>
           </a:prstGeom>
           <a:blipFill dpi="0" rotWithShape="1">
-            <a:blip r:embed="rId2">
+            <a:blip r:embed="rId3">
               <a:alphaModFix amt="27000"/>
             </a:blip>
             <a:srcRect/>
@@ -5892,7 +8102,7 @@
             <a:avLst/>
           </a:prstGeom>
           <a:blipFill dpi="0" rotWithShape="1">
-            <a:blip r:embed="rId2">
+            <a:blip r:embed="rId3">
               <a:alphaModFix amt="27000"/>
             </a:blip>
             <a:srcRect/>
@@ -6152,7 +8362,7 @@
             <a:avLst/>
           </a:prstGeom>
           <a:blipFill dpi="0" rotWithShape="1">
-            <a:blip r:embed="rId2">
+            <a:blip r:embed="rId3">
               <a:alphaModFix amt="27000"/>
             </a:blip>
             <a:srcRect/>
@@ -6235,7 +8445,7 @@
           <p:nvPr/>
         </p:nvPicPr>
         <p:blipFill>
-          <a:blip r:embed="rId2"/>
+          <a:blip r:embed="rId3"/>
           <a:stretch>
             <a:fillRect/>
           </a:stretch>
@@ -6765,7 +8975,7 @@
             <a:avLst/>
           </a:prstGeom>
           <a:blipFill dpi="0" rotWithShape="1">
-            <a:blip r:embed="rId3">
+            <a:blip r:embed="rId4">
               <a:alphaModFix amt="14000"/>
             </a:blip>
             <a:srcRect/>
@@ -6891,7 +9101,7 @@
             <a:avLst/>
           </a:prstGeom>
           <a:blipFill dpi="0" rotWithShape="1">
-            <a:blip r:embed="rId2">
+            <a:blip r:embed="rId3">
               <a:alphaModFix amt="27000"/>
             </a:blip>
             <a:srcRect/>
@@ -6976,7 +9186,7 @@
           </p:nvPr>
         </p:nvPicPr>
         <p:blipFill>
-          <a:blip r:embed="rId2">
+          <a:blip r:embed="rId3">
             <a:extLst>
               <a:ext uri="{28A0092B-C50C-407E-A947-70E740481C1C}">
                 <a14:useLocalDpi xmlns:a14="http://schemas.microsoft.com/office/drawing/2010/main" val="0"/>
@@ -7069,7 +9279,7 @@
             <a:avLst/>
           </a:prstGeom>
           <a:blipFill dpi="0" rotWithShape="1">
-            <a:blip r:embed="rId3">
+            <a:blip r:embed="rId4">
               <a:alphaModFix amt="19000"/>
             </a:blip>
             <a:srcRect/>
@@ -7154,7 +9364,7 @@
           </p:nvPr>
         </p:nvPicPr>
         <p:blipFill>
-          <a:blip r:embed="rId2">
+          <a:blip r:embed="rId3">
             <a:extLst>
               <a:ext uri="{28A0092B-C50C-407E-A947-70E740481C1C}">
                 <a14:useLocalDpi xmlns:a14="http://schemas.microsoft.com/office/drawing/2010/main" val="0"/>
@@ -7247,7 +9457,7 @@
             <a:avLst/>
           </a:prstGeom>
           <a:blipFill dpi="0" rotWithShape="1">
-            <a:blip r:embed="rId3">
+            <a:blip r:embed="rId4">
               <a:alphaModFix amt="20000"/>
             </a:blip>
             <a:srcRect/>
@@ -7390,7 +9600,7 @@
           <p:nvPr/>
         </p:nvPicPr>
         <p:blipFill>
-          <a:blip r:embed="rId2">
+          <a:blip r:embed="rId3">
             <a:extLst>
               <a:ext uri="{28A0092B-C50C-407E-A947-70E740481C1C}">
                 <a14:useLocalDpi xmlns:a14="http://schemas.microsoft.com/office/drawing/2010/main" val="0"/>
@@ -7426,7 +9636,7 @@
             <a:avLst/>
           </a:prstGeom>
           <a:blipFill dpi="0" rotWithShape="1">
-            <a:blip r:embed="rId3">
+            <a:blip r:embed="rId4">
               <a:alphaModFix amt="19000"/>
             </a:blip>
             <a:srcRect/>
@@ -7742,4 +9952,265 @@
     </a:ext>
   </a:extLst>
 </a:theme>
+</file>
+
+<file path=ppt/theme/theme2.xml><?xml version="1.0" encoding="utf-8"?>
+<a:theme xmlns:a="http://schemas.openxmlformats.org/drawingml/2006/main" name="Tema de Office">
+  <a:themeElements>
+    <a:clrScheme name="Office">
+      <a:dk1>
+        <a:sysClr val="windowText" lastClr="000000"/>
+      </a:dk1>
+      <a:lt1>
+        <a:sysClr val="window" lastClr="FFFFFF"/>
+      </a:lt1>
+      <a:dk2>
+        <a:srgbClr val="44546A"/>
+      </a:dk2>
+      <a:lt2>
+        <a:srgbClr val="E7E6E6"/>
+      </a:lt2>
+      <a:accent1>
+        <a:srgbClr val="5B9BD5"/>
+      </a:accent1>
+      <a:accent2>
+        <a:srgbClr val="ED7D31"/>
+      </a:accent2>
+      <a:accent3>
+        <a:srgbClr val="A5A5A5"/>
+      </a:accent3>
+      <a:accent4>
+        <a:srgbClr val="FFC000"/>
+      </a:accent4>
+      <a:accent5>
+        <a:srgbClr val="4472C4"/>
+      </a:accent5>
+      <a:accent6>
+        <a:srgbClr val="70AD47"/>
+      </a:accent6>
+      <a:hlink>
+        <a:srgbClr val="0563C1"/>
+      </a:hlink>
+      <a:folHlink>
+        <a:srgbClr val="954F72"/>
+      </a:folHlink>
+    </a:clrScheme>
+    <a:fontScheme name="Office">
+      <a:majorFont>
+        <a:latin typeface="Calibri Light" panose="020F0302020204030204"/>
+        <a:ea typeface=""/>
+        <a:cs typeface=""/>
+        <a:font script="Jpan" typeface="ＭＳ Ｐゴシック"/>
+        <a:font script="Hang" typeface="맑은 고딕"/>
+        <a:font script="Hans" typeface="宋体"/>
+        <a:font script="Hant" typeface="新細明體"/>
+        <a:font script="Arab" typeface="Times New Roman"/>
+        <a:font script="Hebr" typeface="Times New Roman"/>
+        <a:font script="Thai" typeface="Angsana New"/>
+        <a:font script="Ethi" typeface="Nyala"/>
+        <a:font script="Beng" typeface="Vrinda"/>
+        <a:font script="Gujr" typeface="Shruti"/>
+        <a:font script="Khmr" typeface="MoolBoran"/>
+        <a:font script="Knda" typeface="Tunga"/>
+        <a:font script="Guru" typeface="Raavi"/>
+        <a:font script="Cans" typeface="Euphemia"/>
+        <a:font script="Cher" typeface="Plantagenet Cherokee"/>
+        <a:font script="Yiii" typeface="Microsoft Yi Baiti"/>
+        <a:font script="Tibt" typeface="Microsoft Himalaya"/>
+        <a:font script="Thaa" typeface="MV Boli"/>
+        <a:font script="Deva" typeface="Mangal"/>
+        <a:font script="Telu" typeface="Gautami"/>
+        <a:font script="Taml" typeface="Latha"/>
+        <a:font script="Syrc" typeface="Estrangelo Edessa"/>
+        <a:font script="Orya" typeface="Kalinga"/>
+        <a:font script="Mlym" typeface="Kartika"/>
+        <a:font script="Laoo" typeface="DokChampa"/>
+        <a:font script="Sinh" typeface="Iskoola Pota"/>
+        <a:font script="Mong" typeface="Mongolian Baiti"/>
+        <a:font script="Viet" typeface="Times New Roman"/>
+        <a:font script="Uigh" typeface="Microsoft Uighur"/>
+        <a:font script="Geor" typeface="Sylfaen"/>
+      </a:majorFont>
+      <a:minorFont>
+        <a:latin typeface="Calibri" panose="020F0502020204030204"/>
+        <a:ea typeface=""/>
+        <a:cs typeface=""/>
+        <a:font script="Jpan" typeface="ＭＳ Ｐゴシック"/>
+        <a:font script="Hang" typeface="맑은 고딕"/>
+        <a:font script="Hans" typeface="宋体"/>
+        <a:font script="Hant" typeface="新細明體"/>
+        <a:font script="Arab" typeface="Arial"/>
+        <a:font script="Hebr" typeface="Arial"/>
+        <a:font script="Thai" typeface="Cordia New"/>
+        <a:font script="Ethi" typeface="Nyala"/>
+        <a:font script="Beng" typeface="Vrinda"/>
+        <a:font script="Gujr" typeface="Shruti"/>
+        <a:font script="Khmr" typeface="DaunPenh"/>
+        <a:font script="Knda" typeface="Tunga"/>
+        <a:font script="Guru" typeface="Raavi"/>
+        <a:font script="Cans" typeface="Euphemia"/>
+        <a:font script="Cher" typeface="Plantagenet Cherokee"/>
+        <a:font script="Yiii" typeface="Microsoft Yi Baiti"/>
+        <a:font script="Tibt" typeface="Microsoft Himalaya"/>
+        <a:font script="Thaa" typeface="MV Boli"/>
+        <a:font script="Deva" typeface="Mangal"/>
+        <a:font script="Telu" typeface="Gautami"/>
+        <a:font script="Taml" typeface="Latha"/>
+        <a:font script="Syrc" typeface="Estrangelo Edessa"/>
+        <a:font script="Orya" typeface="Kalinga"/>
+        <a:font script="Mlym" typeface="Kartika"/>
+        <a:font script="Laoo" typeface="DokChampa"/>
+        <a:font script="Sinh" typeface="Iskoola Pota"/>
+        <a:font script="Mong" typeface="Mongolian Baiti"/>
+        <a:font script="Viet" typeface="Arial"/>
+        <a:font script="Uigh" typeface="Microsoft Uighur"/>
+        <a:font script="Geor" typeface="Sylfaen"/>
+      </a:minorFont>
+    </a:fontScheme>
+    <a:fmtScheme name="Office">
+      <a:fillStyleLst>
+        <a:solidFill>
+          <a:schemeClr val="phClr"/>
+        </a:solidFill>
+        <a:gradFill rotWithShape="1">
+          <a:gsLst>
+            <a:gs pos="0">
+              <a:schemeClr val="phClr">
+                <a:lumMod val="110000"/>
+                <a:satMod val="105000"/>
+                <a:tint val="67000"/>
+              </a:schemeClr>
+            </a:gs>
+            <a:gs pos="50000">
+              <a:schemeClr val="phClr">
+                <a:lumMod val="105000"/>
+                <a:satMod val="103000"/>
+                <a:tint val="73000"/>
+              </a:schemeClr>
+            </a:gs>
+            <a:gs pos="100000">
+              <a:schemeClr val="phClr">
+                <a:lumMod val="105000"/>
+                <a:satMod val="109000"/>
+                <a:tint val="81000"/>
+              </a:schemeClr>
+            </a:gs>
+          </a:gsLst>
+          <a:lin ang="5400000" scaled="0"/>
+        </a:gradFill>
+        <a:gradFill rotWithShape="1">
+          <a:gsLst>
+            <a:gs pos="0">
+              <a:schemeClr val="phClr">
+                <a:satMod val="103000"/>
+                <a:lumMod val="102000"/>
+                <a:tint val="94000"/>
+              </a:schemeClr>
+            </a:gs>
+            <a:gs pos="50000">
+              <a:schemeClr val="phClr">
+                <a:satMod val="110000"/>
+                <a:lumMod val="100000"/>
+                <a:shade val="100000"/>
+              </a:schemeClr>
+            </a:gs>
+            <a:gs pos="100000">
+              <a:schemeClr val="phClr">
+                <a:lumMod val="99000"/>
+                <a:satMod val="120000"/>
+                <a:shade val="78000"/>
+              </a:schemeClr>
+            </a:gs>
+          </a:gsLst>
+          <a:lin ang="5400000" scaled="0"/>
+        </a:gradFill>
+      </a:fillStyleLst>
+      <a:lnStyleLst>
+        <a:ln w="6350" cap="flat" cmpd="sng" algn="ctr">
+          <a:solidFill>
+            <a:schemeClr val="phClr"/>
+          </a:solidFill>
+          <a:prstDash val="solid"/>
+          <a:miter lim="800000"/>
+        </a:ln>
+        <a:ln w="12700" cap="flat" cmpd="sng" algn="ctr">
+          <a:solidFill>
+            <a:schemeClr val="phClr"/>
+          </a:solidFill>
+          <a:prstDash val="solid"/>
+          <a:miter lim="800000"/>
+        </a:ln>
+        <a:ln w="19050" cap="flat" cmpd="sng" algn="ctr">
+          <a:solidFill>
+            <a:schemeClr val="phClr"/>
+          </a:solidFill>
+          <a:prstDash val="solid"/>
+          <a:miter lim="800000"/>
+        </a:ln>
+      </a:lnStyleLst>
+      <a:effectStyleLst>
+        <a:effectStyle>
+          <a:effectLst/>
+        </a:effectStyle>
+        <a:effectStyle>
+          <a:effectLst/>
+        </a:effectStyle>
+        <a:effectStyle>
+          <a:effectLst>
+            <a:outerShdw blurRad="57150" dist="19050" dir="5400000" algn="ctr" rotWithShape="0">
+              <a:srgbClr val="000000">
+                <a:alpha val="63000"/>
+              </a:srgbClr>
+            </a:outerShdw>
+          </a:effectLst>
+        </a:effectStyle>
+      </a:effectStyleLst>
+      <a:bgFillStyleLst>
+        <a:solidFill>
+          <a:schemeClr val="phClr"/>
+        </a:solidFill>
+        <a:solidFill>
+          <a:schemeClr val="phClr">
+            <a:tint val="95000"/>
+            <a:satMod val="170000"/>
+          </a:schemeClr>
+        </a:solidFill>
+        <a:gradFill rotWithShape="1">
+          <a:gsLst>
+            <a:gs pos="0">
+              <a:schemeClr val="phClr">
+                <a:tint val="93000"/>
+                <a:satMod val="150000"/>
+                <a:shade val="98000"/>
+                <a:lumMod val="102000"/>
+              </a:schemeClr>
+            </a:gs>
+            <a:gs pos="50000">
+              <a:schemeClr val="phClr">
+                <a:tint val="98000"/>
+                <a:satMod val="130000"/>
+                <a:shade val="90000"/>
+                <a:lumMod val="103000"/>
+              </a:schemeClr>
+            </a:gs>
+            <a:gs pos="100000">
+              <a:schemeClr val="phClr">
+                <a:shade val="63000"/>
+                <a:satMod val="120000"/>
+              </a:schemeClr>
+            </a:gs>
+          </a:gsLst>
+          <a:lin ang="5400000" scaled="0"/>
+        </a:gradFill>
+      </a:bgFillStyleLst>
+    </a:fmtScheme>
+  </a:themeElements>
+  <a:objectDefaults/>
+  <a:extraClrSchemeLst/>
+  <a:extLst>
+    <a:ext uri="{05A4C25C-085E-4340-85A3-A5531E510DB2}">
+      <thm15:themeFamily xmlns:thm15="http://schemas.microsoft.com/office/thememl/2012/main" name="Office Theme" id="{62F939B6-93AF-4DB8-9C6B-D6C7DFDC589F}" vid="{4A3C46E8-61CC-4603-A589-7422A47A8E4A}"/>
+    </a:ext>
+  </a:extLst>
+</a:theme>
 </file>